--- a/Figure_3_parts/Figure_3.pptx
+++ b/Figure_3_parts/Figure_3.pptx
@@ -3757,13 +3757,7 @@
                             <a:rPr lang="en-US" sz="1600" b="0" i="1" smtClean="0">
                               <a:latin typeface="Cambria Math" panose="02040503050406030204" pitchFamily="18" charset="0"/>
                             </a:rPr>
-                            <m:t>𝑀𝑖𝑛𝑖𝑚𝑖𝑧𝑒</m:t>
-                          </m:r>
-                          <m:r>
-                            <a:rPr lang="en-US" sz="1600" b="0" i="1" smtClean="0">
-                              <a:latin typeface="Cambria Math" panose="02040503050406030204" pitchFamily="18" charset="0"/>
-                            </a:rPr>
-                            <m:t>: (</m:t>
+                            <m:t>(</m:t>
                           </m:r>
                           <m:r>
                             <a:rPr lang="en-US" sz="1600" b="0" i="1" smtClean="0">
@@ -3783,43 +3777,24 @@
                             </a:rPr>
                             <m:t>𝑋</m:t>
                           </m:r>
-                          <m:sSub>
-                            <m:sSubPr>
+                          <m:acc>
+                            <m:accPr>
+                              <m:chr m:val="̂"/>
                               <m:ctrlPr>
-                                <a:rPr lang="en-US" sz="1600" i="1">
+                                <a:rPr lang="en-US" sz="1600" b="0" i="1" smtClean="0">
                                   <a:latin typeface="Cambria Math" panose="02040503050406030204" pitchFamily="18" charset="0"/>
                                 </a:rPr>
                               </m:ctrlPr>
-                            </m:sSubPr>
+                            </m:accPr>
                             <m:e>
-                              <m:acc>
-                                <m:accPr>
-                                  <m:chr m:val="̂"/>
-                                  <m:ctrlPr>
-                                    <a:rPr lang="en-US" sz="1600" i="1">
-                                      <a:latin typeface="Cambria Math" panose="02040503050406030204" pitchFamily="18" charset="0"/>
-                                    </a:rPr>
-                                  </m:ctrlPr>
-                                </m:accPr>
-                                <m:e>
-                                  <m:r>
-                                    <a:rPr lang="en-US" sz="1600" i="1">
-                                      <a:latin typeface="Cambria Math" panose="02040503050406030204" pitchFamily="18" charset="0"/>
-                                    </a:rPr>
-                                    <m:t>𝑓</m:t>
-                                  </m:r>
-                                </m:e>
-                              </m:acc>
-                            </m:e>
-                            <m:sub>
                               <m:r>
                                 <a:rPr lang="en-US" sz="1600" b="0" i="1" smtClean="0">
                                   <a:latin typeface="Cambria Math" panose="02040503050406030204" pitchFamily="18" charset="0"/>
                                 </a:rPr>
-                                <m:t>𝑌</m:t>
+                                <m:t>𝑓</m:t>
                               </m:r>
-                            </m:sub>
-                          </m:sSub>
+                            </m:e>
+                          </m:acc>
                           <m:r>
                             <a:rPr lang="en-US" sz="1600" i="1">
                               <a:latin typeface="Cambria Math" panose="02040503050406030204" pitchFamily="18" charset="0"/>
@@ -3870,7 +3845,7 @@
               <a:blipFill>
                 <a:blip r:embed="rId4"/>
                 <a:stretch>
-                  <a:fillRect l="-592" t="-18605" b="-30233"/>
+                  <a:fillRect t="-18605" b="-30233"/>
                 </a:stretch>
               </a:blipFill>
             </p:spPr>
@@ -6778,7 +6753,7 @@
           <p:nvPr>
             <p:extLst>
               <p:ext uri="{D42A27DB-BD31-4B8C-83A1-F6EECF244321}">
-                <p14:modId xmlns:p14="http://schemas.microsoft.com/office/powerpoint/2010/main" val="245293656"/>
+                <p14:modId xmlns:p14="http://schemas.microsoft.com/office/powerpoint/2010/main" val="2958295690"/>
               </p:ext>
             </p:extLst>
           </p:nvPr>
@@ -6852,7 +6827,7 @@
                       </a:r>
                       <a:r>
                         <a:rPr lang="en-US" baseline="-25000" dirty="0"/>
-                        <a:t>Y1</a:t>
+                        <a:t>1</a:t>
                       </a:r>
                       <a:endParaRPr lang="en-US" dirty="0"/>
                     </a:p>
@@ -6870,7 +6845,7 @@
                       </a:r>
                       <a:r>
                         <a:rPr lang="en-US" baseline="-25000" dirty="0"/>
-                        <a:t>Y2</a:t>
+                        <a:t>2</a:t>
                       </a:r>
                       <a:endParaRPr lang="en-US" dirty="0"/>
                     </a:p>
@@ -6896,12 +6871,12 @@
                     <a:lstStyle/>
                     <a:p>
                       <a:r>
-                        <a:rPr lang="en-US" dirty="0"/>
+                        <a:rPr lang="en-US" dirty="0" err="1"/>
                         <a:t>f</a:t>
                       </a:r>
                       <a:r>
-                        <a:rPr lang="en-US" baseline="-25000" dirty="0"/>
-                        <a:t>Yn</a:t>
+                        <a:rPr lang="en-US" baseline="-25000" dirty="0" err="1"/>
+                        <a:t>n</a:t>
                       </a:r>
                       <a:endParaRPr lang="en-US" dirty="0"/>
                     </a:p>

--- a/Figure_3_parts/Figure_3.pptx
+++ b/Figure_3_parts/Figure_3.pptx
@@ -3707,8 +3707,8 @@
           </a:p>
         </p:txBody>
       </p:sp>
-      <mc:AlternateContent xmlns:mc="http://schemas.openxmlformats.org/markup-compatibility/2006">
-        <mc:Choice xmlns:a14="http://schemas.microsoft.com/office/drawing/2010/main" Requires="a14">
+      <mc:AlternateContent xmlns:mc="http://schemas.openxmlformats.org/markup-compatibility/2006" xmlns:a14="http://schemas.microsoft.com/office/drawing/2010/main">
+        <mc:Choice Requires="a14">
           <p:sp>
             <p:nvSpPr>
               <p:cNvPr id="51" name="TextBox 50">
@@ -3819,7 +3819,7 @@
             </p:txBody>
           </p:sp>
         </mc:Choice>
-        <mc:Fallback>
+        <mc:Fallback xmlns="">
           <p:sp>
             <p:nvSpPr>
               <p:cNvPr id="51" name="TextBox 50">

--- a/Figure_3_parts/Figure_3.pptx
+++ b/Figure_3_parts/Figure_3.pptx
@@ -8,7 +8,7 @@
     <p:notesMasterId r:id="rId3"/>
   </p:notesMasterIdLst>
   <p:sldIdLst>
-    <p:sldId id="258" r:id="rId2"/>
+    <p:sldId id="259" r:id="rId2"/>
   </p:sldIdLst>
   <p:sldSz cx="6858000" cy="12192000"/>
   <p:notesSz cx="6858000" cy="9144000"/>
@@ -208,7 +208,7 @@
           <a:p>
             <a:fld id="{D10F81BB-B84D-4649-9ADF-D04D8311A8B2}" type="datetimeFigureOut">
               <a:rPr lang="en-US" smtClean="0"/>
-              <a:t>10/20/2025</a:t>
+              <a:t>10/21/2025</a:t>
             </a:fld>
             <a:endParaRPr lang="en-US"/>
           </a:p>
@@ -483,7 +483,7 @@
         <p:cNvPr id="1" name="">
           <a:extLst>
             <a:ext uri="{FF2B5EF4-FFF2-40B4-BE49-F238E27FC236}">
-              <a16:creationId xmlns:a16="http://schemas.microsoft.com/office/drawing/2014/main" id="{EDFB97E5-AAB3-B09C-AF75-BE92EC896A5B}"/>
+              <a16:creationId xmlns:a16="http://schemas.microsoft.com/office/drawing/2014/main" id="{663EED22-99F1-F919-15EF-AA7E8A30F1AF}"/>
             </a:ext>
           </a:extLst>
         </p:cNvPr>
@@ -503,7 +503,7 @@
           <p:cNvPr id="2" name="Slide Image Placeholder 1">
             <a:extLst>
               <a:ext uri="{FF2B5EF4-FFF2-40B4-BE49-F238E27FC236}">
-                <a16:creationId xmlns:a16="http://schemas.microsoft.com/office/drawing/2014/main" id="{C8C0160C-F4AA-7B4D-F65C-AA73EDF4E636}"/>
+                <a16:creationId xmlns:a16="http://schemas.microsoft.com/office/drawing/2014/main" id="{717C1BB2-02E0-0056-4284-F9E1F1DF06FB}"/>
               </a:ext>
             </a:extLst>
           </p:cNvPr>
@@ -528,7 +528,7 @@
           <p:cNvPr id="3" name="Notes Placeholder 2">
             <a:extLst>
               <a:ext uri="{FF2B5EF4-FFF2-40B4-BE49-F238E27FC236}">
-                <a16:creationId xmlns:a16="http://schemas.microsoft.com/office/drawing/2014/main" id="{4BB507DA-61AE-07D4-E231-41B64DE2DD8D}"/>
+                <a16:creationId xmlns:a16="http://schemas.microsoft.com/office/drawing/2014/main" id="{42BD3D4D-B100-5F90-212E-0914E9EC3707}"/>
               </a:ext>
             </a:extLst>
           </p:cNvPr>
@@ -553,7 +553,7 @@
           <p:cNvPr id="4" name="Slide Number Placeholder 3">
             <a:extLst>
               <a:ext uri="{FF2B5EF4-FFF2-40B4-BE49-F238E27FC236}">
-                <a16:creationId xmlns:a16="http://schemas.microsoft.com/office/drawing/2014/main" id="{901A0AC7-3DD9-650F-7DAD-7EBC0D964477}"/>
+                <a16:creationId xmlns:a16="http://schemas.microsoft.com/office/drawing/2014/main" id="{7B557A0A-56B1-0881-1B59-E511C8325EE7}"/>
               </a:ext>
             </a:extLst>
           </p:cNvPr>
@@ -580,7 +580,7 @@
     </p:spTree>
     <p:extLst>
       <p:ext uri="{BB962C8B-B14F-4D97-AF65-F5344CB8AC3E}">
-        <p14:creationId xmlns:p14="http://schemas.microsoft.com/office/powerpoint/2010/main" val="565058455"/>
+        <p14:creationId xmlns:p14="http://schemas.microsoft.com/office/powerpoint/2010/main" val="3605609513"/>
       </p:ext>
     </p:extLst>
   </p:cSld>
@@ -721,7 +721,7 @@
           <a:p>
             <a:fld id="{3338D2F5-C712-F746-9177-6CC1DA9FDF03}" type="datetimeFigureOut">
               <a:rPr lang="en-US" smtClean="0"/>
-              <a:t>10/20/2025</a:t>
+              <a:t>10/21/2025</a:t>
             </a:fld>
             <a:endParaRPr lang="en-US"/>
           </a:p>
@@ -891,7 +891,7 @@
           <a:p>
             <a:fld id="{3338D2F5-C712-F746-9177-6CC1DA9FDF03}" type="datetimeFigureOut">
               <a:rPr lang="en-US" smtClean="0"/>
-              <a:t>10/20/2025</a:t>
+              <a:t>10/21/2025</a:t>
             </a:fld>
             <a:endParaRPr lang="en-US"/>
           </a:p>
@@ -1071,7 +1071,7 @@
           <a:p>
             <a:fld id="{3338D2F5-C712-F746-9177-6CC1DA9FDF03}" type="datetimeFigureOut">
               <a:rPr lang="en-US" smtClean="0"/>
-              <a:t>10/20/2025</a:t>
+              <a:t>10/21/2025</a:t>
             </a:fld>
             <a:endParaRPr lang="en-US"/>
           </a:p>
@@ -1241,7 +1241,7 @@
           <a:p>
             <a:fld id="{3338D2F5-C712-F746-9177-6CC1DA9FDF03}" type="datetimeFigureOut">
               <a:rPr lang="en-US" smtClean="0"/>
-              <a:t>10/20/2025</a:t>
+              <a:t>10/21/2025</a:t>
             </a:fld>
             <a:endParaRPr lang="en-US"/>
           </a:p>
@@ -1487,7 +1487,7 @@
           <a:p>
             <a:fld id="{3338D2F5-C712-F746-9177-6CC1DA9FDF03}" type="datetimeFigureOut">
               <a:rPr lang="en-US" smtClean="0"/>
-              <a:t>10/20/2025</a:t>
+              <a:t>10/21/2025</a:t>
             </a:fld>
             <a:endParaRPr lang="en-US"/>
           </a:p>
@@ -1719,7 +1719,7 @@
           <a:p>
             <a:fld id="{3338D2F5-C712-F746-9177-6CC1DA9FDF03}" type="datetimeFigureOut">
               <a:rPr lang="en-US" smtClean="0"/>
-              <a:t>10/20/2025</a:t>
+              <a:t>10/21/2025</a:t>
             </a:fld>
             <a:endParaRPr lang="en-US"/>
           </a:p>
@@ -2086,7 +2086,7 @@
           <a:p>
             <a:fld id="{3338D2F5-C712-F746-9177-6CC1DA9FDF03}" type="datetimeFigureOut">
               <a:rPr lang="en-US" smtClean="0"/>
-              <a:t>10/20/2025</a:t>
+              <a:t>10/21/2025</a:t>
             </a:fld>
             <a:endParaRPr lang="en-US"/>
           </a:p>
@@ -2204,7 +2204,7 @@
           <a:p>
             <a:fld id="{3338D2F5-C712-F746-9177-6CC1DA9FDF03}" type="datetimeFigureOut">
               <a:rPr lang="en-US" smtClean="0"/>
-              <a:t>10/20/2025</a:t>
+              <a:t>10/21/2025</a:t>
             </a:fld>
             <a:endParaRPr lang="en-US"/>
           </a:p>
@@ -2299,7 +2299,7 @@
           <a:p>
             <a:fld id="{3338D2F5-C712-F746-9177-6CC1DA9FDF03}" type="datetimeFigureOut">
               <a:rPr lang="en-US" smtClean="0"/>
-              <a:t>10/20/2025</a:t>
+              <a:t>10/21/2025</a:t>
             </a:fld>
             <a:endParaRPr lang="en-US"/>
           </a:p>
@@ -2576,7 +2576,7 @@
           <a:p>
             <a:fld id="{3338D2F5-C712-F746-9177-6CC1DA9FDF03}" type="datetimeFigureOut">
               <a:rPr lang="en-US" smtClean="0"/>
-              <a:t>10/20/2025</a:t>
+              <a:t>10/21/2025</a:t>
             </a:fld>
             <a:endParaRPr lang="en-US"/>
           </a:p>
@@ -2833,7 +2833,7 @@
           <a:p>
             <a:fld id="{3338D2F5-C712-F746-9177-6CC1DA9FDF03}" type="datetimeFigureOut">
               <a:rPr lang="en-US" smtClean="0"/>
-              <a:t>10/20/2025</a:t>
+              <a:t>10/21/2025</a:t>
             </a:fld>
             <a:endParaRPr lang="en-US"/>
           </a:p>
@@ -3046,7 +3046,7 @@
           <a:p>
             <a:fld id="{3338D2F5-C712-F746-9177-6CC1DA9FDF03}" type="datetimeFigureOut">
               <a:rPr lang="en-US" smtClean="0"/>
-              <a:t>10/20/2025</a:t>
+              <a:t>10/21/2025</a:t>
             </a:fld>
             <a:endParaRPr lang="en-US"/>
           </a:p>
@@ -3442,7 +3442,7 @@
         <p:cNvPr id="1" name="">
           <a:extLst>
             <a:ext uri="{FF2B5EF4-FFF2-40B4-BE49-F238E27FC236}">
-              <a16:creationId xmlns:a16="http://schemas.microsoft.com/office/drawing/2014/main" id="{E249176D-972F-E484-A8DB-A04EA07E1A42}"/>
+              <a16:creationId xmlns:a16="http://schemas.microsoft.com/office/drawing/2014/main" id="{D990A951-4ABB-C404-2E22-7F2BCD9DB7BF}"/>
             </a:ext>
           </a:extLst>
         </p:cNvPr>
@@ -3462,7 +3462,7 @@
           <p:cNvPr id="186" name="TextBox 185">
             <a:extLst>
               <a:ext uri="{FF2B5EF4-FFF2-40B4-BE49-F238E27FC236}">
-                <a16:creationId xmlns:a16="http://schemas.microsoft.com/office/drawing/2014/main" id="{747563E7-134F-3BB7-917E-8839E02F4B74}"/>
+                <a16:creationId xmlns:a16="http://schemas.microsoft.com/office/drawing/2014/main" id="{8D786267-070D-1809-736A-52FB7329E77D}"/>
               </a:ext>
             </a:extLst>
           </p:cNvPr>
@@ -3500,7 +3500,7 @@
           <p:cNvPr id="21" name="TextBox 20">
             <a:extLst>
               <a:ext uri="{FF2B5EF4-FFF2-40B4-BE49-F238E27FC236}">
-                <a16:creationId xmlns:a16="http://schemas.microsoft.com/office/drawing/2014/main" id="{BB8D0B4C-40CC-C711-81C5-DC86D9ED4EDE}"/>
+                <a16:creationId xmlns:a16="http://schemas.microsoft.com/office/drawing/2014/main" id="{E83D8729-296A-8493-00B3-51307C614A21}"/>
               </a:ext>
             </a:extLst>
           </p:cNvPr>
@@ -3535,7 +3535,7 @@
           <p:cNvPr id="38" name="Picture 37">
             <a:extLst>
               <a:ext uri="{FF2B5EF4-FFF2-40B4-BE49-F238E27FC236}">
-                <a16:creationId xmlns:a16="http://schemas.microsoft.com/office/drawing/2014/main" id="{20B26AAB-8E4A-E80D-BB35-A69A087DA274}"/>
+                <a16:creationId xmlns:a16="http://schemas.microsoft.com/office/drawing/2014/main" id="{78925A3F-6CE2-1446-2289-80FBB976779C}"/>
               </a:ext>
             </a:extLst>
           </p:cNvPr>
@@ -3571,7 +3571,7 @@
           <p:cNvPr id="42" name="Picture 41">
             <a:extLst>
               <a:ext uri="{FF2B5EF4-FFF2-40B4-BE49-F238E27FC236}">
-                <a16:creationId xmlns:a16="http://schemas.microsoft.com/office/drawing/2014/main" id="{A92FEF17-F3C5-894A-2494-9414996B51B0}"/>
+                <a16:creationId xmlns:a16="http://schemas.microsoft.com/office/drawing/2014/main" id="{BDD24C58-EB36-C8EC-0071-D473C794127B}"/>
               </a:ext>
             </a:extLst>
           </p:cNvPr>
@@ -3607,7 +3607,7 @@
           <p:cNvPr id="43" name="TextBox 42">
             <a:extLst>
               <a:ext uri="{FF2B5EF4-FFF2-40B4-BE49-F238E27FC236}">
-                <a16:creationId xmlns:a16="http://schemas.microsoft.com/office/drawing/2014/main" id="{58636512-CA12-8C8C-1317-2DB0F5E6AA44}"/>
+                <a16:creationId xmlns:a16="http://schemas.microsoft.com/office/drawing/2014/main" id="{2E9786F4-3BEE-3413-8882-68CFC487F7F6}"/>
               </a:ext>
             </a:extLst>
           </p:cNvPr>
@@ -3642,7 +3642,7 @@
           <p:cNvPr id="49" name="TextBox 48">
             <a:extLst>
               <a:ext uri="{FF2B5EF4-FFF2-40B4-BE49-F238E27FC236}">
-                <a16:creationId xmlns:a16="http://schemas.microsoft.com/office/drawing/2014/main" id="{59678D55-AE0A-7405-4FB9-3933A5EC42FE}"/>
+                <a16:creationId xmlns:a16="http://schemas.microsoft.com/office/drawing/2014/main" id="{EABDC305-2366-40BF-BD67-088970EFA573}"/>
               </a:ext>
             </a:extLst>
           </p:cNvPr>
@@ -3677,7 +3677,7 @@
           <p:cNvPr id="50" name="TextBox 49">
             <a:extLst>
               <a:ext uri="{FF2B5EF4-FFF2-40B4-BE49-F238E27FC236}">
-                <a16:creationId xmlns:a16="http://schemas.microsoft.com/office/drawing/2014/main" id="{3EED7224-207A-DC44-4F63-643A2730B74F}"/>
+                <a16:creationId xmlns:a16="http://schemas.microsoft.com/office/drawing/2014/main" id="{32D19EC9-19B5-0B96-927A-B6F1169549F4}"/>
               </a:ext>
             </a:extLst>
           </p:cNvPr>
@@ -3707,14 +3707,14 @@
           </a:p>
         </p:txBody>
       </p:sp>
-      <mc:AlternateContent xmlns:mc="http://schemas.openxmlformats.org/markup-compatibility/2006" xmlns:a14="http://schemas.microsoft.com/office/drawing/2010/main">
-        <mc:Choice Requires="a14">
+      <mc:AlternateContent xmlns:mc="http://schemas.openxmlformats.org/markup-compatibility/2006">
+        <mc:Choice xmlns:a14="http://schemas.microsoft.com/office/drawing/2010/main" Requires="a14">
           <p:sp>
             <p:nvSpPr>
               <p:cNvPr id="51" name="TextBox 50">
                 <a:extLst>
                   <a:ext uri="{FF2B5EF4-FFF2-40B4-BE49-F238E27FC236}">
-                    <a16:creationId xmlns:a16="http://schemas.microsoft.com/office/drawing/2014/main" id="{512E2F5A-D330-F2C8-0137-498453AA7248}"/>
+                    <a16:creationId xmlns:a16="http://schemas.microsoft.com/office/drawing/2014/main" id="{4134958D-7DDA-9393-5640-EA9C089E56AA}"/>
                   </a:ext>
                 </a:extLst>
               </p:cNvPr>
@@ -3723,7 +3723,7 @@
             </p:nvSpPr>
             <p:spPr>
               <a:xfrm>
-                <a:off x="4235427" y="6329741"/>
+                <a:off x="4085833" y="5387768"/>
                 <a:ext cx="2060088" cy="260136"/>
               </a:xfrm>
               <a:prstGeom prst="rect">
@@ -3760,22 +3760,22 @@
                             <m:t>(</m:t>
                           </m:r>
                           <m:r>
-                            <a:rPr lang="en-US" sz="1600" b="0" i="1" smtClean="0">
+                            <a:rPr lang="en-US" sz="1600" b="1" i="1" smtClean="0">
                               <a:latin typeface="Cambria Math" panose="02040503050406030204" pitchFamily="18" charset="0"/>
                             </a:rPr>
-                            <m:t>𝑌</m:t>
+                            <m:t>𝒀</m:t>
                           </m:r>
                           <m:r>
-                            <a:rPr lang="en-US" sz="1600" i="1">
+                            <a:rPr lang="en-US" sz="1600" b="0" i="1">
                               <a:latin typeface="Cambria Math" panose="02040503050406030204" pitchFamily="18" charset="0"/>
                             </a:rPr>
                             <m:t>−</m:t>
                           </m:r>
                           <m:r>
-                            <a:rPr lang="en-US" sz="1600" b="0" i="1" smtClean="0">
+                            <a:rPr lang="en-US" sz="1600" b="1" i="1" smtClean="0">
                               <a:latin typeface="Cambria Math" panose="02040503050406030204" pitchFamily="18" charset="0"/>
                             </a:rPr>
-                            <m:t>𝑋</m:t>
+                            <m:t>𝑿</m:t>
                           </m:r>
                           <m:acc>
                             <m:accPr>
@@ -3819,13 +3819,13 @@
             </p:txBody>
           </p:sp>
         </mc:Choice>
-        <mc:Fallback xmlns="">
+        <mc:Fallback>
           <p:sp>
             <p:nvSpPr>
               <p:cNvPr id="51" name="TextBox 50">
                 <a:extLst>
                   <a:ext uri="{FF2B5EF4-FFF2-40B4-BE49-F238E27FC236}">
-                    <a16:creationId xmlns:a16="http://schemas.microsoft.com/office/drawing/2014/main" id="{512E2F5A-D330-F2C8-0137-498453AA7248}"/>
+                    <a16:creationId xmlns:a16="http://schemas.microsoft.com/office/drawing/2014/main" id="{4134958D-7DDA-9393-5640-EA9C089E56AA}"/>
                   </a:ext>
                 </a:extLst>
               </p:cNvPr>
@@ -3836,7 +3836,7 @@
             </p:nvSpPr>
             <p:spPr>
               <a:xfrm>
-                <a:off x="4235427" y="6329741"/>
+                <a:off x="4085833" y="5387768"/>
                 <a:ext cx="2060088" cy="260136"/>
               </a:xfrm>
               <a:prstGeom prst="rect">
@@ -3845,7 +3845,7 @@
               <a:blipFill>
                 <a:blip r:embed="rId4"/>
                 <a:stretch>
-                  <a:fillRect t="-18605" b="-30233"/>
+                  <a:fillRect t="-21429" b="-30952"/>
                 </a:stretch>
               </a:blipFill>
             </p:spPr>
@@ -3869,7 +3869,7 @@
           <p:cNvPr id="61" name="TextBox 60">
             <a:extLst>
               <a:ext uri="{FF2B5EF4-FFF2-40B4-BE49-F238E27FC236}">
-                <a16:creationId xmlns:a16="http://schemas.microsoft.com/office/drawing/2014/main" id="{DE34790F-1CE8-6919-1BDF-F23F96D3640A}"/>
+                <a16:creationId xmlns:a16="http://schemas.microsoft.com/office/drawing/2014/main" id="{977DEF9D-12BD-57BD-0F72-0E22ABDBB74A}"/>
               </a:ext>
             </a:extLst>
           </p:cNvPr>
@@ -3904,7 +3904,7 @@
           <p:cNvPr id="62" name="TextBox 61">
             <a:extLst>
               <a:ext uri="{FF2B5EF4-FFF2-40B4-BE49-F238E27FC236}">
-                <a16:creationId xmlns:a16="http://schemas.microsoft.com/office/drawing/2014/main" id="{DC74391B-9545-406F-C772-1611BBE4FC98}"/>
+                <a16:creationId xmlns:a16="http://schemas.microsoft.com/office/drawing/2014/main" id="{D304DD7F-FE80-EF86-694E-B9B4167E296D}"/>
               </a:ext>
             </a:extLst>
           </p:cNvPr>
@@ -3939,7 +3939,7 @@
           <p:cNvPr id="71" name="TextBox 70">
             <a:extLst>
               <a:ext uri="{FF2B5EF4-FFF2-40B4-BE49-F238E27FC236}">
-                <a16:creationId xmlns:a16="http://schemas.microsoft.com/office/drawing/2014/main" id="{CCF3857A-6E11-B5F7-7966-A9DACEAC5818}"/>
+                <a16:creationId xmlns:a16="http://schemas.microsoft.com/office/drawing/2014/main" id="{DF7CB7DA-6077-BD25-51D9-D3B06BD1FE87}"/>
               </a:ext>
             </a:extLst>
           </p:cNvPr>
@@ -3974,7 +3974,7 @@
           <p:cNvPr id="72" name="TextBox 71">
             <a:extLst>
               <a:ext uri="{FF2B5EF4-FFF2-40B4-BE49-F238E27FC236}">
-                <a16:creationId xmlns:a16="http://schemas.microsoft.com/office/drawing/2014/main" id="{CBF8F7F9-9421-8785-127D-3B08CB87DE1A}"/>
+                <a16:creationId xmlns:a16="http://schemas.microsoft.com/office/drawing/2014/main" id="{F28AC8AA-920C-C443-CC7C-BC8EB0842B45}"/>
               </a:ext>
             </a:extLst>
           </p:cNvPr>
@@ -4009,7 +4009,7 @@
           <p:cNvPr id="111" name="TextBox 110">
             <a:extLst>
               <a:ext uri="{FF2B5EF4-FFF2-40B4-BE49-F238E27FC236}">
-                <a16:creationId xmlns:a16="http://schemas.microsoft.com/office/drawing/2014/main" id="{4213CF84-4BD5-CC52-12AC-04F023CBF86D}"/>
+                <a16:creationId xmlns:a16="http://schemas.microsoft.com/office/drawing/2014/main" id="{344D3D96-7FA1-8D03-93BF-C13FDC6EC848}"/>
               </a:ext>
             </a:extLst>
           </p:cNvPr>
@@ -4019,7 +4019,7 @@
         <p:spPr>
           <a:xfrm>
             <a:off x="3666046" y="6648639"/>
-            <a:ext cx="2806866" cy="707886"/>
+            <a:ext cx="2806866" cy="553998"/>
           </a:xfrm>
           <a:prstGeom prst="rect">
             <a:avLst/>
@@ -4034,7 +4034,7 @@
           <a:p>
             <a:r>
               <a:rPr lang="en-US" sz="1000" dirty="0"/>
-              <a:t>Result: Haplotype-by-Haplotype Chi-square; Widow-based contrast of imputed frequencies; Power is inversely proportional to errors imputed on frequencies </a:t>
+              <a:t>Result: Window-based contrast of imputed haplotype  frequencies; power is inversely proportional to errors imputed on frequencies </a:t>
             </a:r>
           </a:p>
         </p:txBody>
@@ -4044,7 +4044,7 @@
           <p:cNvPr id="5" name="TextBox 4">
             <a:extLst>
               <a:ext uri="{FF2B5EF4-FFF2-40B4-BE49-F238E27FC236}">
-                <a16:creationId xmlns:a16="http://schemas.microsoft.com/office/drawing/2014/main" id="{7B7A90C2-4291-9CDC-7A7E-B467641052CD}"/>
+                <a16:creationId xmlns:a16="http://schemas.microsoft.com/office/drawing/2014/main" id="{91A63DF4-C13A-D44B-32A6-1E292553CD93}"/>
               </a:ext>
             </a:extLst>
           </p:cNvPr>
@@ -4079,7 +4079,7 @@
           <p:cNvPr id="70" name="TextBox 69">
             <a:extLst>
               <a:ext uri="{FF2B5EF4-FFF2-40B4-BE49-F238E27FC236}">
-                <a16:creationId xmlns:a16="http://schemas.microsoft.com/office/drawing/2014/main" id="{DA9066ED-15DB-F14C-58D8-5B030D781D19}"/>
+                <a16:creationId xmlns:a16="http://schemas.microsoft.com/office/drawing/2014/main" id="{8C4570DA-0FCA-CD63-4BFC-76838F2C3DBB}"/>
               </a:ext>
             </a:extLst>
           </p:cNvPr>
@@ -4117,7 +4117,7 @@
           <p:cNvPr id="3" name="Picture 2" descr="A colorful squares with white text&#10;&#10;AI-generated content may be incorrect.">
             <a:extLst>
               <a:ext uri="{FF2B5EF4-FFF2-40B4-BE49-F238E27FC236}">
-                <a16:creationId xmlns:a16="http://schemas.microsoft.com/office/drawing/2014/main" id="{FF64AB6B-2488-860D-66CF-72EC2B8650FE}"/>
+                <a16:creationId xmlns:a16="http://schemas.microsoft.com/office/drawing/2014/main" id="{E777620D-2428-37CE-9A10-E5C50CAD9094}"/>
               </a:ext>
             </a:extLst>
           </p:cNvPr>
@@ -4148,7 +4148,7 @@
           <p:cNvPr id="68" name="Straight Connector 67">
             <a:extLst>
               <a:ext uri="{FF2B5EF4-FFF2-40B4-BE49-F238E27FC236}">
-                <a16:creationId xmlns:a16="http://schemas.microsoft.com/office/drawing/2014/main" id="{C2EA70FC-0229-476B-AF35-B625AA305DFE}"/>
+                <a16:creationId xmlns:a16="http://schemas.microsoft.com/office/drawing/2014/main" id="{67AAF243-B6B6-5DAD-7CA1-85BA1764C075}"/>
               </a:ext>
             </a:extLst>
           </p:cNvPr>
@@ -4194,7 +4194,7 @@
           <p:cNvPr id="69" name="Straight Connector 68">
             <a:extLst>
               <a:ext uri="{FF2B5EF4-FFF2-40B4-BE49-F238E27FC236}">
-                <a16:creationId xmlns:a16="http://schemas.microsoft.com/office/drawing/2014/main" id="{B48A0884-AF11-E30F-9F3B-B2352999CB6D}"/>
+                <a16:creationId xmlns:a16="http://schemas.microsoft.com/office/drawing/2014/main" id="{CE07AF34-2E5A-E925-C3B9-283DF6FAFC23}"/>
               </a:ext>
             </a:extLst>
           </p:cNvPr>
@@ -4240,7 +4240,7 @@
           <p:cNvPr id="24" name="Group 23">
             <a:extLst>
               <a:ext uri="{FF2B5EF4-FFF2-40B4-BE49-F238E27FC236}">
-                <a16:creationId xmlns:a16="http://schemas.microsoft.com/office/drawing/2014/main" id="{559FBB56-A5F8-B0BB-DFE9-2DC54AAA3705}"/>
+                <a16:creationId xmlns:a16="http://schemas.microsoft.com/office/drawing/2014/main" id="{99A0849B-DAF5-2732-8264-5AB746086058}"/>
               </a:ext>
             </a:extLst>
           </p:cNvPr>
@@ -4260,7 +4260,7 @@
             <p:cNvPr id="13" name="Picture 12" descr="A black lines on a white background&#10;&#10;AI-generated content may be incorrect.">
               <a:extLst>
                 <a:ext uri="{FF2B5EF4-FFF2-40B4-BE49-F238E27FC236}">
-                  <a16:creationId xmlns:a16="http://schemas.microsoft.com/office/drawing/2014/main" id="{09A2A555-6DF9-9049-0C2E-FE7767FBF5F1}"/>
+                  <a16:creationId xmlns:a16="http://schemas.microsoft.com/office/drawing/2014/main" id="{D0B1810C-2EAA-B786-07EB-A082EC4C2BD1}"/>
                 </a:ext>
               </a:extLst>
             </p:cNvPr>
@@ -4291,7 +4291,7 @@
             <p:cNvPr id="9" name="Picture 8" descr="A black lines on a white background&#10;&#10;AI-generated content may be incorrect.">
               <a:extLst>
                 <a:ext uri="{FF2B5EF4-FFF2-40B4-BE49-F238E27FC236}">
-                  <a16:creationId xmlns:a16="http://schemas.microsoft.com/office/drawing/2014/main" id="{A0C61508-0BC7-3D5E-E5E2-3AB6B68F3BB2}"/>
+                  <a16:creationId xmlns:a16="http://schemas.microsoft.com/office/drawing/2014/main" id="{160A0DCF-EC74-7B5A-43A5-483D6E45601D}"/>
                 </a:ext>
               </a:extLst>
             </p:cNvPr>
@@ -4322,7 +4322,7 @@
             <p:cNvPr id="54" name="Straight Connector 53">
               <a:extLst>
                 <a:ext uri="{FF2B5EF4-FFF2-40B4-BE49-F238E27FC236}">
-                  <a16:creationId xmlns:a16="http://schemas.microsoft.com/office/drawing/2014/main" id="{49F42A79-1E0D-F945-8344-734EC3BAFC4E}"/>
+                  <a16:creationId xmlns:a16="http://schemas.microsoft.com/office/drawing/2014/main" id="{F4B6CCF7-6D76-4994-3A17-36D4B280C642}"/>
                 </a:ext>
               </a:extLst>
             </p:cNvPr>
@@ -4367,7 +4367,7 @@
             <p:cNvPr id="55" name="TextBox 54">
               <a:extLst>
                 <a:ext uri="{FF2B5EF4-FFF2-40B4-BE49-F238E27FC236}">
-                  <a16:creationId xmlns:a16="http://schemas.microsoft.com/office/drawing/2014/main" id="{DD8A6B9B-CF65-91A0-2E77-B7977265EBBF}"/>
+                  <a16:creationId xmlns:a16="http://schemas.microsoft.com/office/drawing/2014/main" id="{963FD9AB-DF8E-0A6B-D5B1-6A6B7AF926EE}"/>
                 </a:ext>
               </a:extLst>
             </p:cNvPr>
@@ -4402,7 +4402,7 @@
             <p:cNvPr id="56" name="TextBox 55">
               <a:extLst>
                 <a:ext uri="{FF2B5EF4-FFF2-40B4-BE49-F238E27FC236}">
-                  <a16:creationId xmlns:a16="http://schemas.microsoft.com/office/drawing/2014/main" id="{04478CC1-BAA1-532E-DD97-2083864B15C4}"/>
+                  <a16:creationId xmlns:a16="http://schemas.microsoft.com/office/drawing/2014/main" id="{C545280E-C327-8CE3-0F3D-18EBC5D6DF4D}"/>
                 </a:ext>
               </a:extLst>
             </p:cNvPr>
@@ -4437,7 +4437,7 @@
             <p:cNvPr id="57" name="Straight Connector 56">
               <a:extLst>
                 <a:ext uri="{FF2B5EF4-FFF2-40B4-BE49-F238E27FC236}">
-                  <a16:creationId xmlns:a16="http://schemas.microsoft.com/office/drawing/2014/main" id="{CE1B16D3-606A-1CC6-6222-24DB3B7720D4}"/>
+                  <a16:creationId xmlns:a16="http://schemas.microsoft.com/office/drawing/2014/main" id="{CFC49E13-D741-56B8-7855-16BC6417E001}"/>
                 </a:ext>
               </a:extLst>
             </p:cNvPr>
@@ -4482,7 +4482,7 @@
             <p:cNvPr id="58" name="Straight Connector 57">
               <a:extLst>
                 <a:ext uri="{FF2B5EF4-FFF2-40B4-BE49-F238E27FC236}">
-                  <a16:creationId xmlns:a16="http://schemas.microsoft.com/office/drawing/2014/main" id="{D49DCBF3-BE0A-6524-00F7-BAB417BAB288}"/>
+                  <a16:creationId xmlns:a16="http://schemas.microsoft.com/office/drawing/2014/main" id="{75E2B90E-1577-79E2-BDC6-4F0956A3AC82}"/>
                 </a:ext>
               </a:extLst>
             </p:cNvPr>
@@ -4527,7 +4527,7 @@
             <p:cNvPr id="35" name="Straight Connector 34">
               <a:extLst>
                 <a:ext uri="{FF2B5EF4-FFF2-40B4-BE49-F238E27FC236}">
-                  <a16:creationId xmlns:a16="http://schemas.microsoft.com/office/drawing/2014/main" id="{16BEFEC0-5182-AD34-AC2E-3ACEC35E29F7}"/>
+                  <a16:creationId xmlns:a16="http://schemas.microsoft.com/office/drawing/2014/main" id="{7CEF0B8E-D15D-958F-7A7F-63BD6FD568D1}"/>
                 </a:ext>
               </a:extLst>
             </p:cNvPr>
@@ -4572,7 +4572,7 @@
             <p:cNvPr id="36" name="Straight Connector 35">
               <a:extLst>
                 <a:ext uri="{FF2B5EF4-FFF2-40B4-BE49-F238E27FC236}">
-                  <a16:creationId xmlns:a16="http://schemas.microsoft.com/office/drawing/2014/main" id="{BF4F67EF-FF6D-7518-09F1-C598C0CA7723}"/>
+                  <a16:creationId xmlns:a16="http://schemas.microsoft.com/office/drawing/2014/main" id="{991D5862-4710-C432-BEBD-6A1895FDE377}"/>
                 </a:ext>
               </a:extLst>
             </p:cNvPr>
@@ -4617,7 +4617,7 @@
             <p:cNvPr id="39" name="Straight Connector 38">
               <a:extLst>
                 <a:ext uri="{FF2B5EF4-FFF2-40B4-BE49-F238E27FC236}">
-                  <a16:creationId xmlns:a16="http://schemas.microsoft.com/office/drawing/2014/main" id="{F708DE3E-D21A-1946-DE39-4EB68022D1FC}"/>
+                  <a16:creationId xmlns:a16="http://schemas.microsoft.com/office/drawing/2014/main" id="{91EC702D-3B64-5494-5FEC-283AFD7A754E}"/>
                 </a:ext>
               </a:extLst>
             </p:cNvPr>
@@ -4662,7 +4662,7 @@
             <p:cNvPr id="77" name="Straight Connector 76">
               <a:extLst>
                 <a:ext uri="{FF2B5EF4-FFF2-40B4-BE49-F238E27FC236}">
-                  <a16:creationId xmlns:a16="http://schemas.microsoft.com/office/drawing/2014/main" id="{DD773727-AF94-4188-27B9-90C6C4A4C3B9}"/>
+                  <a16:creationId xmlns:a16="http://schemas.microsoft.com/office/drawing/2014/main" id="{41ACCB1F-7AAD-9726-5909-84A150570029}"/>
                 </a:ext>
               </a:extLst>
             </p:cNvPr>
@@ -4707,7 +4707,7 @@
             <p:cNvPr id="80" name="Straight Connector 79">
               <a:extLst>
                 <a:ext uri="{FF2B5EF4-FFF2-40B4-BE49-F238E27FC236}">
-                  <a16:creationId xmlns:a16="http://schemas.microsoft.com/office/drawing/2014/main" id="{1C1E7BE6-5E1F-2A32-D0EE-C77CB714C2EE}"/>
+                  <a16:creationId xmlns:a16="http://schemas.microsoft.com/office/drawing/2014/main" id="{09FB9695-D313-5BBF-84F4-57896FE672DE}"/>
                 </a:ext>
               </a:extLst>
             </p:cNvPr>
@@ -4752,7 +4752,7 @@
             <p:cNvPr id="84" name="Straight Connector 83">
               <a:extLst>
                 <a:ext uri="{FF2B5EF4-FFF2-40B4-BE49-F238E27FC236}">
-                  <a16:creationId xmlns:a16="http://schemas.microsoft.com/office/drawing/2014/main" id="{30D92879-0975-0418-A0F2-33C7607074E8}"/>
+                  <a16:creationId xmlns:a16="http://schemas.microsoft.com/office/drawing/2014/main" id="{25E6C0F1-F6EA-6611-09F4-2C720FD7715B}"/>
                 </a:ext>
               </a:extLst>
             </p:cNvPr>
@@ -4797,7 +4797,7 @@
             <p:cNvPr id="88" name="Straight Connector 87">
               <a:extLst>
                 <a:ext uri="{FF2B5EF4-FFF2-40B4-BE49-F238E27FC236}">
-                  <a16:creationId xmlns:a16="http://schemas.microsoft.com/office/drawing/2014/main" id="{23AB3726-52C7-4A6C-207B-77C99CCEB84A}"/>
+                  <a16:creationId xmlns:a16="http://schemas.microsoft.com/office/drawing/2014/main" id="{6082DFEC-45C0-7EAC-6A8B-F325D3671C97}"/>
                 </a:ext>
               </a:extLst>
             </p:cNvPr>
@@ -4842,7 +4842,7 @@
             <p:cNvPr id="90" name="Straight Connector 89">
               <a:extLst>
                 <a:ext uri="{FF2B5EF4-FFF2-40B4-BE49-F238E27FC236}">
-                  <a16:creationId xmlns:a16="http://schemas.microsoft.com/office/drawing/2014/main" id="{800DBA79-0A78-8457-273A-61F21880EA04}"/>
+                  <a16:creationId xmlns:a16="http://schemas.microsoft.com/office/drawing/2014/main" id="{CD317583-404F-D65C-42E3-4985856B580B}"/>
                 </a:ext>
               </a:extLst>
             </p:cNvPr>
@@ -4887,7 +4887,7 @@
             <p:cNvPr id="95" name="Straight Connector 94">
               <a:extLst>
                 <a:ext uri="{FF2B5EF4-FFF2-40B4-BE49-F238E27FC236}">
-                  <a16:creationId xmlns:a16="http://schemas.microsoft.com/office/drawing/2014/main" id="{65BD8B27-6DC3-0C4D-3DE5-FF9E22A528E7}"/>
+                  <a16:creationId xmlns:a16="http://schemas.microsoft.com/office/drawing/2014/main" id="{447995E2-C828-DE3F-C7ED-7565943DD075}"/>
                 </a:ext>
               </a:extLst>
             </p:cNvPr>
@@ -4932,7 +4932,7 @@
             <p:cNvPr id="99" name="Straight Connector 98">
               <a:extLst>
                 <a:ext uri="{FF2B5EF4-FFF2-40B4-BE49-F238E27FC236}">
-                  <a16:creationId xmlns:a16="http://schemas.microsoft.com/office/drawing/2014/main" id="{26AC22EC-B411-0CB4-C52E-28C7399713EE}"/>
+                  <a16:creationId xmlns:a16="http://schemas.microsoft.com/office/drawing/2014/main" id="{FF95848B-0F9C-84AE-3BC7-05AE6647708D}"/>
                 </a:ext>
               </a:extLst>
             </p:cNvPr>
@@ -4977,7 +4977,7 @@
             <p:cNvPr id="103" name="Straight Connector 102">
               <a:extLst>
                 <a:ext uri="{FF2B5EF4-FFF2-40B4-BE49-F238E27FC236}">
-                  <a16:creationId xmlns:a16="http://schemas.microsoft.com/office/drawing/2014/main" id="{B0939E53-F612-59EC-099D-F1C4638D68C6}"/>
+                  <a16:creationId xmlns:a16="http://schemas.microsoft.com/office/drawing/2014/main" id="{D169C565-1CC8-01E9-8DF6-A39B58B0F841}"/>
                 </a:ext>
               </a:extLst>
             </p:cNvPr>
@@ -5022,7 +5022,7 @@
             <p:cNvPr id="105" name="Straight Connector 104">
               <a:extLst>
                 <a:ext uri="{FF2B5EF4-FFF2-40B4-BE49-F238E27FC236}">
-                  <a16:creationId xmlns:a16="http://schemas.microsoft.com/office/drawing/2014/main" id="{52CAB594-F825-834A-ABC6-3B1F85ECD917}"/>
+                  <a16:creationId xmlns:a16="http://schemas.microsoft.com/office/drawing/2014/main" id="{F9769786-3948-878C-44EB-D6D937D292D4}"/>
                 </a:ext>
               </a:extLst>
             </p:cNvPr>
@@ -5067,7 +5067,7 @@
             <p:cNvPr id="109" name="Straight Connector 108">
               <a:extLst>
                 <a:ext uri="{FF2B5EF4-FFF2-40B4-BE49-F238E27FC236}">
-                  <a16:creationId xmlns:a16="http://schemas.microsoft.com/office/drawing/2014/main" id="{72374763-EDDD-AB27-4498-390D26F6451E}"/>
+                  <a16:creationId xmlns:a16="http://schemas.microsoft.com/office/drawing/2014/main" id="{FAF0B2A7-21DA-8085-0D64-653F3C5ED948}"/>
                 </a:ext>
               </a:extLst>
             </p:cNvPr>
@@ -5112,7 +5112,7 @@
             <p:cNvPr id="110" name="Straight Connector 109">
               <a:extLst>
                 <a:ext uri="{FF2B5EF4-FFF2-40B4-BE49-F238E27FC236}">
-                  <a16:creationId xmlns:a16="http://schemas.microsoft.com/office/drawing/2014/main" id="{83EC35B4-BC4F-6028-03DA-7EC0A660322C}"/>
+                  <a16:creationId xmlns:a16="http://schemas.microsoft.com/office/drawing/2014/main" id="{70665F30-1AEE-5FF4-2639-9CBF3D756B2F}"/>
                 </a:ext>
               </a:extLst>
             </p:cNvPr>
@@ -5157,7 +5157,7 @@
             <p:cNvPr id="112" name="Straight Connector 111">
               <a:extLst>
                 <a:ext uri="{FF2B5EF4-FFF2-40B4-BE49-F238E27FC236}">
-                  <a16:creationId xmlns:a16="http://schemas.microsoft.com/office/drawing/2014/main" id="{92AA3AC9-EEDB-DB1C-1F16-F63052600E7A}"/>
+                  <a16:creationId xmlns:a16="http://schemas.microsoft.com/office/drawing/2014/main" id="{89AB6E37-5A25-6AA8-10EA-D346A4597F73}"/>
                 </a:ext>
               </a:extLst>
             </p:cNvPr>
@@ -5202,7 +5202,7 @@
             <p:cNvPr id="114" name="Straight Connector 113">
               <a:extLst>
                 <a:ext uri="{FF2B5EF4-FFF2-40B4-BE49-F238E27FC236}">
-                  <a16:creationId xmlns:a16="http://schemas.microsoft.com/office/drawing/2014/main" id="{C77503C3-044D-C240-1DC6-4DE5FDCAC668}"/>
+                  <a16:creationId xmlns:a16="http://schemas.microsoft.com/office/drawing/2014/main" id="{0479A484-41AF-E66B-0320-C4CFB1775D91}"/>
                 </a:ext>
               </a:extLst>
             </p:cNvPr>
@@ -5247,7 +5247,7 @@
             <p:cNvPr id="115" name="Straight Connector 114">
               <a:extLst>
                 <a:ext uri="{FF2B5EF4-FFF2-40B4-BE49-F238E27FC236}">
-                  <a16:creationId xmlns:a16="http://schemas.microsoft.com/office/drawing/2014/main" id="{665E0799-7A78-FBDA-28AF-BB66754D9D8E}"/>
+                  <a16:creationId xmlns:a16="http://schemas.microsoft.com/office/drawing/2014/main" id="{040C72DA-509B-200C-2BFC-EB721E7AEB03}"/>
                 </a:ext>
               </a:extLst>
             </p:cNvPr>
@@ -5292,7 +5292,7 @@
             <p:cNvPr id="116" name="Straight Connector 115">
               <a:extLst>
                 <a:ext uri="{FF2B5EF4-FFF2-40B4-BE49-F238E27FC236}">
-                  <a16:creationId xmlns:a16="http://schemas.microsoft.com/office/drawing/2014/main" id="{43F09FAC-6BF5-5528-0B8B-6F845EFD0562}"/>
+                  <a16:creationId xmlns:a16="http://schemas.microsoft.com/office/drawing/2014/main" id="{9983AE9D-EB43-D551-EF7C-0E40A9EA77B4}"/>
                 </a:ext>
               </a:extLst>
             </p:cNvPr>
@@ -5337,7 +5337,7 @@
             <p:cNvPr id="118" name="Straight Connector 117">
               <a:extLst>
                 <a:ext uri="{FF2B5EF4-FFF2-40B4-BE49-F238E27FC236}">
-                  <a16:creationId xmlns:a16="http://schemas.microsoft.com/office/drawing/2014/main" id="{157BFB58-8C9F-5494-9527-B0C6CFFBEFE9}"/>
+                  <a16:creationId xmlns:a16="http://schemas.microsoft.com/office/drawing/2014/main" id="{292E296C-27B9-D670-E1CD-51DC8DC52A42}"/>
                 </a:ext>
               </a:extLst>
             </p:cNvPr>
@@ -5382,7 +5382,7 @@
             <p:cNvPr id="120" name="Straight Connector 119">
               <a:extLst>
                 <a:ext uri="{FF2B5EF4-FFF2-40B4-BE49-F238E27FC236}">
-                  <a16:creationId xmlns:a16="http://schemas.microsoft.com/office/drawing/2014/main" id="{418FEE55-0A0C-7B0A-8704-D188E36308C7}"/>
+                  <a16:creationId xmlns:a16="http://schemas.microsoft.com/office/drawing/2014/main" id="{19725C3E-0816-9848-CCBE-3BD6EE3B2EDC}"/>
                 </a:ext>
               </a:extLst>
             </p:cNvPr>
@@ -5427,7 +5427,7 @@
             <p:cNvPr id="121" name="Straight Connector 120">
               <a:extLst>
                 <a:ext uri="{FF2B5EF4-FFF2-40B4-BE49-F238E27FC236}">
-                  <a16:creationId xmlns:a16="http://schemas.microsoft.com/office/drawing/2014/main" id="{F7E5A383-AD29-83C5-D0AF-15F68459FEB2}"/>
+                  <a16:creationId xmlns:a16="http://schemas.microsoft.com/office/drawing/2014/main" id="{D230C4D1-E129-5121-7F5C-191EECBCED59}"/>
                 </a:ext>
               </a:extLst>
             </p:cNvPr>
@@ -5472,7 +5472,7 @@
             <p:cNvPr id="124" name="Straight Connector 123">
               <a:extLst>
                 <a:ext uri="{FF2B5EF4-FFF2-40B4-BE49-F238E27FC236}">
-                  <a16:creationId xmlns:a16="http://schemas.microsoft.com/office/drawing/2014/main" id="{888D1E16-35D6-6E0A-AD5D-07235577F60D}"/>
+                  <a16:creationId xmlns:a16="http://schemas.microsoft.com/office/drawing/2014/main" id="{B0346AF4-F842-3C8F-7FA8-A991AE6E88E0}"/>
                 </a:ext>
               </a:extLst>
             </p:cNvPr>
@@ -5517,7 +5517,7 @@
             <p:cNvPr id="125" name="Straight Connector 124">
               <a:extLst>
                 <a:ext uri="{FF2B5EF4-FFF2-40B4-BE49-F238E27FC236}">
-                  <a16:creationId xmlns:a16="http://schemas.microsoft.com/office/drawing/2014/main" id="{C7B3BCE0-E8C2-FC73-6B1E-4AEEAC52E375}"/>
+                  <a16:creationId xmlns:a16="http://schemas.microsoft.com/office/drawing/2014/main" id="{466FA191-06D6-87C9-91FC-39CACCB927E0}"/>
                 </a:ext>
               </a:extLst>
             </p:cNvPr>
@@ -5562,7 +5562,7 @@
             <p:cNvPr id="128" name="Straight Connector 127">
               <a:extLst>
                 <a:ext uri="{FF2B5EF4-FFF2-40B4-BE49-F238E27FC236}">
-                  <a16:creationId xmlns:a16="http://schemas.microsoft.com/office/drawing/2014/main" id="{C5E21F95-C223-B459-D8C8-71442E052991}"/>
+                  <a16:creationId xmlns:a16="http://schemas.microsoft.com/office/drawing/2014/main" id="{954F3D9D-C5C7-E322-911E-351D55977E62}"/>
                 </a:ext>
               </a:extLst>
             </p:cNvPr>
@@ -5607,7 +5607,7 @@
             <p:cNvPr id="132" name="Straight Connector 131">
               <a:extLst>
                 <a:ext uri="{FF2B5EF4-FFF2-40B4-BE49-F238E27FC236}">
-                  <a16:creationId xmlns:a16="http://schemas.microsoft.com/office/drawing/2014/main" id="{466C06C2-E61E-0AF9-DDF6-1EF60164BA8E}"/>
+                  <a16:creationId xmlns:a16="http://schemas.microsoft.com/office/drawing/2014/main" id="{580FD555-5CA4-1CDE-8733-416CF18C84B6}"/>
                 </a:ext>
               </a:extLst>
             </p:cNvPr>
@@ -5652,7 +5652,7 @@
             <p:cNvPr id="143" name="Straight Connector 142">
               <a:extLst>
                 <a:ext uri="{FF2B5EF4-FFF2-40B4-BE49-F238E27FC236}">
-                  <a16:creationId xmlns:a16="http://schemas.microsoft.com/office/drawing/2014/main" id="{D6276655-5B5E-6163-41EF-2DE11464B61A}"/>
+                  <a16:creationId xmlns:a16="http://schemas.microsoft.com/office/drawing/2014/main" id="{A66DA1E3-E7AC-7DA7-8634-B35E65043980}"/>
                 </a:ext>
               </a:extLst>
             </p:cNvPr>
@@ -5697,7 +5697,7 @@
             <p:cNvPr id="146" name="Straight Connector 145">
               <a:extLst>
                 <a:ext uri="{FF2B5EF4-FFF2-40B4-BE49-F238E27FC236}">
-                  <a16:creationId xmlns:a16="http://schemas.microsoft.com/office/drawing/2014/main" id="{8BE1DEE2-C00D-7804-447B-E15761F986C1}"/>
+                  <a16:creationId xmlns:a16="http://schemas.microsoft.com/office/drawing/2014/main" id="{E7592E32-24C6-8FB7-37A9-AB7CAFA6D9FE}"/>
                 </a:ext>
               </a:extLst>
             </p:cNvPr>
@@ -5742,7 +5742,7 @@
             <p:cNvPr id="147" name="Straight Connector 146">
               <a:extLst>
                 <a:ext uri="{FF2B5EF4-FFF2-40B4-BE49-F238E27FC236}">
-                  <a16:creationId xmlns:a16="http://schemas.microsoft.com/office/drawing/2014/main" id="{14249718-9A01-39B3-5A1F-A7E4530BF903}"/>
+                  <a16:creationId xmlns:a16="http://schemas.microsoft.com/office/drawing/2014/main" id="{891B01CE-5026-468A-F16F-91AEF8D3A47F}"/>
                 </a:ext>
               </a:extLst>
             </p:cNvPr>
@@ -5787,7 +5787,7 @@
             <p:cNvPr id="150" name="Straight Connector 149">
               <a:extLst>
                 <a:ext uri="{FF2B5EF4-FFF2-40B4-BE49-F238E27FC236}">
-                  <a16:creationId xmlns:a16="http://schemas.microsoft.com/office/drawing/2014/main" id="{462A26E5-2412-12CC-2483-5ED90B8DC945}"/>
+                  <a16:creationId xmlns:a16="http://schemas.microsoft.com/office/drawing/2014/main" id="{763900B7-D5B6-86C4-6304-EB2A253848C1}"/>
                 </a:ext>
               </a:extLst>
             </p:cNvPr>
@@ -5832,7 +5832,7 @@
             <p:cNvPr id="153" name="Straight Connector 152">
               <a:extLst>
                 <a:ext uri="{FF2B5EF4-FFF2-40B4-BE49-F238E27FC236}">
-                  <a16:creationId xmlns:a16="http://schemas.microsoft.com/office/drawing/2014/main" id="{A5A00E82-0BB9-335D-41E6-897578AF9703}"/>
+                  <a16:creationId xmlns:a16="http://schemas.microsoft.com/office/drawing/2014/main" id="{153F8D37-B984-0C0F-886F-4E089B42F279}"/>
                 </a:ext>
               </a:extLst>
             </p:cNvPr>
@@ -5877,7 +5877,7 @@
             <p:cNvPr id="157" name="Straight Connector 156">
               <a:extLst>
                 <a:ext uri="{FF2B5EF4-FFF2-40B4-BE49-F238E27FC236}">
-                  <a16:creationId xmlns:a16="http://schemas.microsoft.com/office/drawing/2014/main" id="{45D3F795-1BE5-54A2-7442-852F54BE1242}"/>
+                  <a16:creationId xmlns:a16="http://schemas.microsoft.com/office/drawing/2014/main" id="{DDABE003-9F09-84A5-6EAC-ADBAD9FEE83A}"/>
                 </a:ext>
               </a:extLst>
             </p:cNvPr>
@@ -5922,7 +5922,7 @@
             <p:cNvPr id="160" name="Straight Connector 159">
               <a:extLst>
                 <a:ext uri="{FF2B5EF4-FFF2-40B4-BE49-F238E27FC236}">
-                  <a16:creationId xmlns:a16="http://schemas.microsoft.com/office/drawing/2014/main" id="{FBE4CDF5-BAE8-7B82-5FC4-8CE3915FCC18}"/>
+                  <a16:creationId xmlns:a16="http://schemas.microsoft.com/office/drawing/2014/main" id="{9A1236C0-12C1-F1C5-3D7B-9AF4E9C174CF}"/>
                 </a:ext>
               </a:extLst>
             </p:cNvPr>
@@ -5967,7 +5967,7 @@
             <p:cNvPr id="164" name="Straight Connector 163">
               <a:extLst>
                 <a:ext uri="{FF2B5EF4-FFF2-40B4-BE49-F238E27FC236}">
-                  <a16:creationId xmlns:a16="http://schemas.microsoft.com/office/drawing/2014/main" id="{E3C64458-3CAF-5488-B3EB-64BCB17F5DB6}"/>
+                  <a16:creationId xmlns:a16="http://schemas.microsoft.com/office/drawing/2014/main" id="{9A2E6503-C322-2B03-6E7D-B5163494B8EC}"/>
                 </a:ext>
               </a:extLst>
             </p:cNvPr>
@@ -6012,7 +6012,7 @@
             <p:cNvPr id="170" name="Straight Connector 169">
               <a:extLst>
                 <a:ext uri="{FF2B5EF4-FFF2-40B4-BE49-F238E27FC236}">
-                  <a16:creationId xmlns:a16="http://schemas.microsoft.com/office/drawing/2014/main" id="{C7C68CEA-1546-5700-7C74-CF4B5AA094DE}"/>
+                  <a16:creationId xmlns:a16="http://schemas.microsoft.com/office/drawing/2014/main" id="{CA31CA4F-8058-9EE2-7FAE-C53EFD58EFEE}"/>
                 </a:ext>
               </a:extLst>
             </p:cNvPr>
@@ -6057,7 +6057,7 @@
             <p:cNvPr id="174" name="Straight Connector 173">
               <a:extLst>
                 <a:ext uri="{FF2B5EF4-FFF2-40B4-BE49-F238E27FC236}">
-                  <a16:creationId xmlns:a16="http://schemas.microsoft.com/office/drawing/2014/main" id="{850542B6-1FA9-F5C2-26B8-56F7694F8631}"/>
+                  <a16:creationId xmlns:a16="http://schemas.microsoft.com/office/drawing/2014/main" id="{648ECB4F-18E5-1843-7D0A-C34EF68B88D2}"/>
                 </a:ext>
               </a:extLst>
             </p:cNvPr>
@@ -6102,7 +6102,7 @@
             <p:cNvPr id="60" name="Straight Connector 59">
               <a:extLst>
                 <a:ext uri="{FF2B5EF4-FFF2-40B4-BE49-F238E27FC236}">
-                  <a16:creationId xmlns:a16="http://schemas.microsoft.com/office/drawing/2014/main" id="{F3AC7F14-0686-5931-D260-4B639D621277}"/>
+                  <a16:creationId xmlns:a16="http://schemas.microsoft.com/office/drawing/2014/main" id="{5C86EEEE-0F23-3F33-6722-C126906BBE82}"/>
                 </a:ext>
               </a:extLst>
             </p:cNvPr>
@@ -6141,7 +6141,7 @@
             <p:cNvPr id="200" name="Straight Connector 199">
               <a:extLst>
                 <a:ext uri="{FF2B5EF4-FFF2-40B4-BE49-F238E27FC236}">
-                  <a16:creationId xmlns:a16="http://schemas.microsoft.com/office/drawing/2014/main" id="{D12C336B-8A6C-62D0-1BA9-F9EB662C6ECD}"/>
+                  <a16:creationId xmlns:a16="http://schemas.microsoft.com/office/drawing/2014/main" id="{E77BEE27-652E-1421-1573-BBD17A93AA81}"/>
                 </a:ext>
               </a:extLst>
             </p:cNvPr>
@@ -6186,7 +6186,7 @@
             <p:cNvPr id="201" name="Straight Connector 200">
               <a:extLst>
                 <a:ext uri="{FF2B5EF4-FFF2-40B4-BE49-F238E27FC236}">
-                  <a16:creationId xmlns:a16="http://schemas.microsoft.com/office/drawing/2014/main" id="{6FA8A4D3-A571-26DE-9E91-481366A83F92}"/>
+                  <a16:creationId xmlns:a16="http://schemas.microsoft.com/office/drawing/2014/main" id="{D83B7184-0F6A-F134-2553-5CA7FDB1B94D}"/>
                 </a:ext>
               </a:extLst>
             </p:cNvPr>
@@ -6231,7 +6231,7 @@
             <p:cNvPr id="254" name="TextBox 253">
               <a:extLst>
                 <a:ext uri="{FF2B5EF4-FFF2-40B4-BE49-F238E27FC236}">
-                  <a16:creationId xmlns:a16="http://schemas.microsoft.com/office/drawing/2014/main" id="{FBCD7FCC-5F92-C3DF-CF49-36707061F59C}"/>
+                  <a16:creationId xmlns:a16="http://schemas.microsoft.com/office/drawing/2014/main" id="{837FD5C9-7B08-0C6D-5825-D00A277D1203}"/>
                 </a:ext>
               </a:extLst>
             </p:cNvPr>
@@ -6269,7 +6269,7 @@
           <p:cNvPr id="2" name="TextBox 1">
             <a:extLst>
               <a:ext uri="{FF2B5EF4-FFF2-40B4-BE49-F238E27FC236}">
-                <a16:creationId xmlns:a16="http://schemas.microsoft.com/office/drawing/2014/main" id="{94E5D22C-C7AA-430C-5A89-A234F0FDEB79}"/>
+                <a16:creationId xmlns:a16="http://schemas.microsoft.com/office/drawing/2014/main" id="{31EB5107-3760-1DA7-CA6D-001D92A28EA9}"/>
               </a:ext>
             </a:extLst>
           </p:cNvPr>
@@ -6304,7 +6304,7 @@
           <p:cNvPr id="8" name="Picture 7">
             <a:extLst>
               <a:ext uri="{FF2B5EF4-FFF2-40B4-BE49-F238E27FC236}">
-                <a16:creationId xmlns:a16="http://schemas.microsoft.com/office/drawing/2014/main" id="{04575B59-4F6D-E4BB-9775-C37D588B950F}"/>
+                <a16:creationId xmlns:a16="http://schemas.microsoft.com/office/drawing/2014/main" id="{D2B15B15-8EC6-D8AE-527B-B126E60FBEDE}"/>
               </a:ext>
             </a:extLst>
           </p:cNvPr>
@@ -6335,7 +6335,7 @@
           <p:cNvPr id="11" name="Picture 10">
             <a:extLst>
               <a:ext uri="{FF2B5EF4-FFF2-40B4-BE49-F238E27FC236}">
-                <a16:creationId xmlns:a16="http://schemas.microsoft.com/office/drawing/2014/main" id="{E29771E0-B8A2-1161-FFC7-0B225F4AB36E}"/>
+                <a16:creationId xmlns:a16="http://schemas.microsoft.com/office/drawing/2014/main" id="{183AC1F0-9C0F-CF5F-3290-A6E126E601B3}"/>
               </a:ext>
             </a:extLst>
           </p:cNvPr>
@@ -6366,7 +6366,7 @@
           <p:cNvPr id="12" name="Picture 11">
             <a:extLst>
               <a:ext uri="{FF2B5EF4-FFF2-40B4-BE49-F238E27FC236}">
-                <a16:creationId xmlns:a16="http://schemas.microsoft.com/office/drawing/2014/main" id="{24271A9F-385F-E62B-F341-21D149F8232F}"/>
+                <a16:creationId xmlns:a16="http://schemas.microsoft.com/office/drawing/2014/main" id="{565D3709-C61A-F829-BB53-8703DB5D5FD6}"/>
               </a:ext>
             </a:extLst>
           </p:cNvPr>
@@ -6397,7 +6397,7 @@
           <p:cNvPr id="14" name="Picture 13">
             <a:extLst>
               <a:ext uri="{FF2B5EF4-FFF2-40B4-BE49-F238E27FC236}">
-                <a16:creationId xmlns:a16="http://schemas.microsoft.com/office/drawing/2014/main" id="{54AA5E42-0DB6-0B8E-3D23-5F623B855BEA}"/>
+                <a16:creationId xmlns:a16="http://schemas.microsoft.com/office/drawing/2014/main" id="{41385CEB-7F03-6924-0506-4586065F927F}"/>
               </a:ext>
             </a:extLst>
           </p:cNvPr>
@@ -6428,7 +6428,7 @@
           <p:cNvPr id="15" name="Picture 14">
             <a:extLst>
               <a:ext uri="{FF2B5EF4-FFF2-40B4-BE49-F238E27FC236}">
-                <a16:creationId xmlns:a16="http://schemas.microsoft.com/office/drawing/2014/main" id="{AE2B0ADE-E594-2DE0-05E2-2024FB94493A}"/>
+                <a16:creationId xmlns:a16="http://schemas.microsoft.com/office/drawing/2014/main" id="{19E7C9C9-3B71-203F-23D9-73CE93FCBD3A}"/>
               </a:ext>
             </a:extLst>
           </p:cNvPr>
@@ -6459,7 +6459,7 @@
           <p:cNvPr id="16" name="Straight Connector 15">
             <a:extLst>
               <a:ext uri="{FF2B5EF4-FFF2-40B4-BE49-F238E27FC236}">
-                <a16:creationId xmlns:a16="http://schemas.microsoft.com/office/drawing/2014/main" id="{33350F29-1843-E20F-4067-166B5C39E0CB}"/>
+                <a16:creationId xmlns:a16="http://schemas.microsoft.com/office/drawing/2014/main" id="{BB32A376-2ABC-50B3-0300-AF03689AD3D3}"/>
               </a:ext>
             </a:extLst>
           </p:cNvPr>
@@ -6505,7 +6505,7 @@
           <p:cNvPr id="18" name="Straight Connector 17">
             <a:extLst>
               <a:ext uri="{FF2B5EF4-FFF2-40B4-BE49-F238E27FC236}">
-                <a16:creationId xmlns:a16="http://schemas.microsoft.com/office/drawing/2014/main" id="{E9542714-A25F-7B6E-C75E-925A34CCB4A6}"/>
+                <a16:creationId xmlns:a16="http://schemas.microsoft.com/office/drawing/2014/main" id="{E4D32F7E-9DF6-AD84-12C2-02DDB546ED75}"/>
               </a:ext>
             </a:extLst>
           </p:cNvPr>
@@ -6551,20 +6551,14 @@
           <p:cNvPr id="48" name="Table 47">
             <a:extLst>
               <a:ext uri="{FF2B5EF4-FFF2-40B4-BE49-F238E27FC236}">
-                <a16:creationId xmlns:a16="http://schemas.microsoft.com/office/drawing/2014/main" id="{0CCE40DB-7935-76D4-112C-81FC81185CC6}"/>
+                <a16:creationId xmlns:a16="http://schemas.microsoft.com/office/drawing/2014/main" id="{773FEDDB-25A0-BF33-541A-D7C659E10932}"/>
               </a:ext>
             </a:extLst>
           </p:cNvPr>
           <p:cNvGraphicFramePr>
             <a:graphicFrameLocks noGrp="1"/>
           </p:cNvGraphicFramePr>
-          <p:nvPr>
-            <p:extLst>
-              <p:ext uri="{D42A27DB-BD31-4B8C-83A1-F6EECF244321}">
-                <p14:modId xmlns:p14="http://schemas.microsoft.com/office/powerpoint/2010/main" val="1740005525"/>
-              </p:ext>
-            </p:extLst>
-          </p:nvPr>
+          <p:nvPr/>
         </p:nvGraphicFramePr>
         <p:xfrm>
           <a:off x="53279" y="4344729"/>
@@ -6743,23 +6737,17 @@
           <p:cNvPr id="52" name="Table 51">
             <a:extLst>
               <a:ext uri="{FF2B5EF4-FFF2-40B4-BE49-F238E27FC236}">
-                <a16:creationId xmlns:a16="http://schemas.microsoft.com/office/drawing/2014/main" id="{2B221E33-EDBE-1CAB-7BD1-E97BC4E4A255}"/>
+                <a16:creationId xmlns:a16="http://schemas.microsoft.com/office/drawing/2014/main" id="{0731BC62-8CFD-687B-689E-865CB7ABDF8C}"/>
               </a:ext>
             </a:extLst>
           </p:cNvPr>
           <p:cNvGraphicFramePr>
             <a:graphicFrameLocks noGrp="1"/>
           </p:cNvGraphicFramePr>
-          <p:nvPr>
-            <p:extLst>
-              <p:ext uri="{D42A27DB-BD31-4B8C-83A1-F6EECF244321}">
-                <p14:modId xmlns:p14="http://schemas.microsoft.com/office/powerpoint/2010/main" val="2958295690"/>
-              </p:ext>
-            </p:extLst>
-          </p:nvPr>
+          <p:nvPr/>
         </p:nvGraphicFramePr>
         <p:xfrm>
-          <a:off x="3784009" y="5392401"/>
+          <a:off x="3789156" y="5700740"/>
           <a:ext cx="2751849" cy="895063"/>
         </p:xfrm>
         <a:graphic>
@@ -7042,7 +7030,7 @@
           <p:cNvPr id="4" name="Straight Connector 3">
             <a:extLst>
               <a:ext uri="{FF2B5EF4-FFF2-40B4-BE49-F238E27FC236}">
-                <a16:creationId xmlns:a16="http://schemas.microsoft.com/office/drawing/2014/main" id="{04DB4E77-3C89-5570-E1AB-D2BCB3D666DC}"/>
+                <a16:creationId xmlns:a16="http://schemas.microsoft.com/office/drawing/2014/main" id="{195DEC3A-2F7F-8865-5210-1F58C34253E1}"/>
               </a:ext>
             </a:extLst>
           </p:cNvPr>
@@ -7088,20 +7076,14 @@
           <p:cNvPr id="7" name="Table 6">
             <a:extLst>
               <a:ext uri="{FF2B5EF4-FFF2-40B4-BE49-F238E27FC236}">
-                <a16:creationId xmlns:a16="http://schemas.microsoft.com/office/drawing/2014/main" id="{53B31D0E-29DE-2ACF-B9AB-546A501F14BD}"/>
+                <a16:creationId xmlns:a16="http://schemas.microsoft.com/office/drawing/2014/main" id="{C28B1F65-23FF-13A3-CFAD-C6EBB46D1564}"/>
               </a:ext>
             </a:extLst>
           </p:cNvPr>
           <p:cNvGraphicFramePr>
             <a:graphicFrameLocks noGrp="1"/>
           </p:cNvGraphicFramePr>
-          <p:nvPr>
-            <p:extLst>
-              <p:ext uri="{D42A27DB-BD31-4B8C-83A1-F6EECF244321}">
-                <p14:modId xmlns:p14="http://schemas.microsoft.com/office/powerpoint/2010/main" val="4074095897"/>
-              </p:ext>
-            </p:extLst>
-          </p:nvPr>
+          <p:nvPr/>
         </p:nvGraphicFramePr>
         <p:xfrm>
           <a:off x="729962" y="5369560"/>
@@ -7280,7 +7262,7 @@
           <p:cNvPr id="113" name="Group 112">
             <a:extLst>
               <a:ext uri="{FF2B5EF4-FFF2-40B4-BE49-F238E27FC236}">
-                <a16:creationId xmlns:a16="http://schemas.microsoft.com/office/drawing/2014/main" id="{F215D8F2-CB3E-AE5D-C78A-BB2C394FBE7B}"/>
+                <a16:creationId xmlns:a16="http://schemas.microsoft.com/office/drawing/2014/main" id="{97FE63E3-7CBE-3771-6F6F-E181BF5583FA}"/>
               </a:ext>
             </a:extLst>
           </p:cNvPr>
@@ -7300,7 +7282,7 @@
             <p:cNvPr id="117" name="Picture 116" descr="A black lines on a white background&#10;&#10;AI-generated content may be incorrect.">
               <a:extLst>
                 <a:ext uri="{FF2B5EF4-FFF2-40B4-BE49-F238E27FC236}">
-                  <a16:creationId xmlns:a16="http://schemas.microsoft.com/office/drawing/2014/main" id="{3A867158-25F9-7E80-01F8-FBC0D0540513}"/>
+                  <a16:creationId xmlns:a16="http://schemas.microsoft.com/office/drawing/2014/main" id="{B813BDB8-F60D-A994-84B8-1951179033E9}"/>
                 </a:ext>
               </a:extLst>
             </p:cNvPr>
@@ -7331,7 +7313,7 @@
             <p:cNvPr id="119" name="Picture 118" descr="A black lines on a white background&#10;&#10;AI-generated content may be incorrect.">
               <a:extLst>
                 <a:ext uri="{FF2B5EF4-FFF2-40B4-BE49-F238E27FC236}">
-                  <a16:creationId xmlns:a16="http://schemas.microsoft.com/office/drawing/2014/main" id="{E07C20CB-0A73-C17F-CDA4-6104DBF4E1DA}"/>
+                  <a16:creationId xmlns:a16="http://schemas.microsoft.com/office/drawing/2014/main" id="{3BE1421B-A2C6-08E7-5DB3-0794476BFBF6}"/>
                 </a:ext>
               </a:extLst>
             </p:cNvPr>
@@ -7362,7 +7344,7 @@
             <p:cNvPr id="122" name="Straight Connector 121">
               <a:extLst>
                 <a:ext uri="{FF2B5EF4-FFF2-40B4-BE49-F238E27FC236}">
-                  <a16:creationId xmlns:a16="http://schemas.microsoft.com/office/drawing/2014/main" id="{072E79CA-1A11-9709-7A3C-B771918C1DBA}"/>
+                  <a16:creationId xmlns:a16="http://schemas.microsoft.com/office/drawing/2014/main" id="{5A7355B8-344D-37C2-5A06-32ED3FDA1A16}"/>
                 </a:ext>
               </a:extLst>
             </p:cNvPr>
@@ -7407,7 +7389,7 @@
             <p:cNvPr id="123" name="TextBox 122">
               <a:extLst>
                 <a:ext uri="{FF2B5EF4-FFF2-40B4-BE49-F238E27FC236}">
-                  <a16:creationId xmlns:a16="http://schemas.microsoft.com/office/drawing/2014/main" id="{A1429935-C940-C080-D842-34F548AA3803}"/>
+                  <a16:creationId xmlns:a16="http://schemas.microsoft.com/office/drawing/2014/main" id="{BC56E263-AABE-4AED-D132-52511BA21C94}"/>
                 </a:ext>
               </a:extLst>
             </p:cNvPr>
@@ -7442,7 +7424,7 @@
             <p:cNvPr id="126" name="TextBox 125">
               <a:extLst>
                 <a:ext uri="{FF2B5EF4-FFF2-40B4-BE49-F238E27FC236}">
-                  <a16:creationId xmlns:a16="http://schemas.microsoft.com/office/drawing/2014/main" id="{FF8A4F4C-4F2A-DDFD-4BA5-26DCC2072F24}"/>
+                  <a16:creationId xmlns:a16="http://schemas.microsoft.com/office/drawing/2014/main" id="{B991894C-61F1-F3CE-0BD5-4F86423F9F8A}"/>
                 </a:ext>
               </a:extLst>
             </p:cNvPr>
@@ -7477,7 +7459,7 @@
             <p:cNvPr id="127" name="Straight Connector 126">
               <a:extLst>
                 <a:ext uri="{FF2B5EF4-FFF2-40B4-BE49-F238E27FC236}">
-                  <a16:creationId xmlns:a16="http://schemas.microsoft.com/office/drawing/2014/main" id="{92305178-9D33-14AB-5260-ABFCFD1BCB5E}"/>
+                  <a16:creationId xmlns:a16="http://schemas.microsoft.com/office/drawing/2014/main" id="{637B03F9-8D59-1D3B-0CA0-64823EAF1E55}"/>
                 </a:ext>
               </a:extLst>
             </p:cNvPr>
@@ -7522,7 +7504,7 @@
             <p:cNvPr id="129" name="Straight Connector 128">
               <a:extLst>
                 <a:ext uri="{FF2B5EF4-FFF2-40B4-BE49-F238E27FC236}">
-                  <a16:creationId xmlns:a16="http://schemas.microsoft.com/office/drawing/2014/main" id="{0C307E1F-6D7C-ED6E-E8F2-85C29F97A7C7}"/>
+                  <a16:creationId xmlns:a16="http://schemas.microsoft.com/office/drawing/2014/main" id="{92D377A2-FDA9-0E0A-F0A6-B45FB736B811}"/>
                 </a:ext>
               </a:extLst>
             </p:cNvPr>
@@ -7567,7 +7549,7 @@
             <p:cNvPr id="130" name="Straight Connector 129">
               <a:extLst>
                 <a:ext uri="{FF2B5EF4-FFF2-40B4-BE49-F238E27FC236}">
-                  <a16:creationId xmlns:a16="http://schemas.microsoft.com/office/drawing/2014/main" id="{0D785C9C-0EBD-1918-4A4B-585FF9FB6E29}"/>
+                  <a16:creationId xmlns:a16="http://schemas.microsoft.com/office/drawing/2014/main" id="{32C40135-E11B-615A-4612-319DD168BE7E}"/>
                 </a:ext>
               </a:extLst>
             </p:cNvPr>
@@ -7612,7 +7594,7 @@
             <p:cNvPr id="131" name="Straight Connector 130">
               <a:extLst>
                 <a:ext uri="{FF2B5EF4-FFF2-40B4-BE49-F238E27FC236}">
-                  <a16:creationId xmlns:a16="http://schemas.microsoft.com/office/drawing/2014/main" id="{EAFECA55-C071-A104-6030-9DAD113AAD0F}"/>
+                  <a16:creationId xmlns:a16="http://schemas.microsoft.com/office/drawing/2014/main" id="{81D0A528-9688-6BCE-5478-3B76B734B6C2}"/>
                 </a:ext>
               </a:extLst>
             </p:cNvPr>
@@ -7657,7 +7639,7 @@
             <p:cNvPr id="133" name="Straight Connector 132">
               <a:extLst>
                 <a:ext uri="{FF2B5EF4-FFF2-40B4-BE49-F238E27FC236}">
-                  <a16:creationId xmlns:a16="http://schemas.microsoft.com/office/drawing/2014/main" id="{02597FF4-D195-98D6-BAD9-ACED25721234}"/>
+                  <a16:creationId xmlns:a16="http://schemas.microsoft.com/office/drawing/2014/main" id="{D132D1A0-B53C-BC90-4541-8E986D9FF29F}"/>
                 </a:ext>
               </a:extLst>
             </p:cNvPr>
@@ -7702,7 +7684,7 @@
             <p:cNvPr id="134" name="Straight Connector 133">
               <a:extLst>
                 <a:ext uri="{FF2B5EF4-FFF2-40B4-BE49-F238E27FC236}">
-                  <a16:creationId xmlns:a16="http://schemas.microsoft.com/office/drawing/2014/main" id="{B1452705-F70A-FCA0-994B-41BA41CB0C8F}"/>
+                  <a16:creationId xmlns:a16="http://schemas.microsoft.com/office/drawing/2014/main" id="{FCE834DD-F27E-3A7D-2899-194706E6B1A8}"/>
                 </a:ext>
               </a:extLst>
             </p:cNvPr>
@@ -7747,7 +7729,7 @@
             <p:cNvPr id="135" name="Straight Connector 134">
               <a:extLst>
                 <a:ext uri="{FF2B5EF4-FFF2-40B4-BE49-F238E27FC236}">
-                  <a16:creationId xmlns:a16="http://schemas.microsoft.com/office/drawing/2014/main" id="{B5B1B375-DD11-50E6-7F4C-C7E55EDE451F}"/>
+                  <a16:creationId xmlns:a16="http://schemas.microsoft.com/office/drawing/2014/main" id="{AA4AA7AA-3B91-B968-CCD2-88CD2EE71292}"/>
                 </a:ext>
               </a:extLst>
             </p:cNvPr>
@@ -7792,7 +7774,7 @@
             <p:cNvPr id="136" name="Straight Connector 135">
               <a:extLst>
                 <a:ext uri="{FF2B5EF4-FFF2-40B4-BE49-F238E27FC236}">
-                  <a16:creationId xmlns:a16="http://schemas.microsoft.com/office/drawing/2014/main" id="{08F337CD-D3E1-B4D8-F182-46572352A7BC}"/>
+                  <a16:creationId xmlns:a16="http://schemas.microsoft.com/office/drawing/2014/main" id="{459A707B-3345-B082-375B-40C830E161D8}"/>
                 </a:ext>
               </a:extLst>
             </p:cNvPr>
@@ -7837,7 +7819,7 @@
             <p:cNvPr id="137" name="Straight Connector 136">
               <a:extLst>
                 <a:ext uri="{FF2B5EF4-FFF2-40B4-BE49-F238E27FC236}">
-                  <a16:creationId xmlns:a16="http://schemas.microsoft.com/office/drawing/2014/main" id="{1CB8C76C-CA27-CDA1-5584-D1D90E38647D}"/>
+                  <a16:creationId xmlns:a16="http://schemas.microsoft.com/office/drawing/2014/main" id="{0C9FC454-7B97-F8B9-640B-63BD1A645DAB}"/>
                 </a:ext>
               </a:extLst>
             </p:cNvPr>
@@ -7882,7 +7864,7 @@
             <p:cNvPr id="138" name="Straight Connector 137">
               <a:extLst>
                 <a:ext uri="{FF2B5EF4-FFF2-40B4-BE49-F238E27FC236}">
-                  <a16:creationId xmlns:a16="http://schemas.microsoft.com/office/drawing/2014/main" id="{41C4BC22-DB37-E8C4-DF45-692849CCF2D2}"/>
+                  <a16:creationId xmlns:a16="http://schemas.microsoft.com/office/drawing/2014/main" id="{97ED8B96-69DF-F189-485D-46830B1D07F7}"/>
                 </a:ext>
               </a:extLst>
             </p:cNvPr>
@@ -7927,7 +7909,7 @@
             <p:cNvPr id="139" name="Straight Connector 138">
               <a:extLst>
                 <a:ext uri="{FF2B5EF4-FFF2-40B4-BE49-F238E27FC236}">
-                  <a16:creationId xmlns:a16="http://schemas.microsoft.com/office/drawing/2014/main" id="{94C8AC17-1529-7226-8E88-925DB2F6112D}"/>
+                  <a16:creationId xmlns:a16="http://schemas.microsoft.com/office/drawing/2014/main" id="{FDBD62CB-FD60-6BA0-51F4-418A385A5D5A}"/>
                 </a:ext>
               </a:extLst>
             </p:cNvPr>
@@ -7972,7 +7954,7 @@
             <p:cNvPr id="140" name="Straight Connector 139">
               <a:extLst>
                 <a:ext uri="{FF2B5EF4-FFF2-40B4-BE49-F238E27FC236}">
-                  <a16:creationId xmlns:a16="http://schemas.microsoft.com/office/drawing/2014/main" id="{3E4EB4E1-F766-7C80-537D-214B31265907}"/>
+                  <a16:creationId xmlns:a16="http://schemas.microsoft.com/office/drawing/2014/main" id="{81C32B5D-149F-5C54-D8D3-138CF18867F4}"/>
                 </a:ext>
               </a:extLst>
             </p:cNvPr>
@@ -8017,7 +7999,7 @@
             <p:cNvPr id="141" name="Straight Connector 140">
               <a:extLst>
                 <a:ext uri="{FF2B5EF4-FFF2-40B4-BE49-F238E27FC236}">
-                  <a16:creationId xmlns:a16="http://schemas.microsoft.com/office/drawing/2014/main" id="{D6583D12-DD8D-8AD9-74CE-3DD576D9FB52}"/>
+                  <a16:creationId xmlns:a16="http://schemas.microsoft.com/office/drawing/2014/main" id="{B357A566-534B-622F-095A-3EBC0EED9B2C}"/>
                 </a:ext>
               </a:extLst>
             </p:cNvPr>
@@ -8062,7 +8044,7 @@
             <p:cNvPr id="142" name="Straight Connector 141">
               <a:extLst>
                 <a:ext uri="{FF2B5EF4-FFF2-40B4-BE49-F238E27FC236}">
-                  <a16:creationId xmlns:a16="http://schemas.microsoft.com/office/drawing/2014/main" id="{AF7D12B8-0BCE-B390-44B5-CAE255948F8E}"/>
+                  <a16:creationId xmlns:a16="http://schemas.microsoft.com/office/drawing/2014/main" id="{87E49F6B-0A10-A101-7F16-6405EB37E323}"/>
                 </a:ext>
               </a:extLst>
             </p:cNvPr>
@@ -8107,7 +8089,7 @@
             <p:cNvPr id="144" name="Straight Connector 143">
               <a:extLst>
                 <a:ext uri="{FF2B5EF4-FFF2-40B4-BE49-F238E27FC236}">
-                  <a16:creationId xmlns:a16="http://schemas.microsoft.com/office/drawing/2014/main" id="{0B1C2370-DEAB-CCE7-DF81-FBDF23C6B816}"/>
+                  <a16:creationId xmlns:a16="http://schemas.microsoft.com/office/drawing/2014/main" id="{D58BE51F-B18C-6789-6DB4-587495153CF4}"/>
                 </a:ext>
               </a:extLst>
             </p:cNvPr>
@@ -8152,7 +8134,7 @@
             <p:cNvPr id="145" name="Straight Connector 144">
               <a:extLst>
                 <a:ext uri="{FF2B5EF4-FFF2-40B4-BE49-F238E27FC236}">
-                  <a16:creationId xmlns:a16="http://schemas.microsoft.com/office/drawing/2014/main" id="{3E6DB11E-314E-E6B8-58C7-A087F53016EB}"/>
+                  <a16:creationId xmlns:a16="http://schemas.microsoft.com/office/drawing/2014/main" id="{A3640353-1C36-E0C2-08AE-7DD9967D094A}"/>
                 </a:ext>
               </a:extLst>
             </p:cNvPr>
@@ -8197,7 +8179,7 @@
             <p:cNvPr id="148" name="Straight Connector 147">
               <a:extLst>
                 <a:ext uri="{FF2B5EF4-FFF2-40B4-BE49-F238E27FC236}">
-                  <a16:creationId xmlns:a16="http://schemas.microsoft.com/office/drawing/2014/main" id="{6D333EA9-1BA5-DA54-67A9-5EFCA48AF3A9}"/>
+                  <a16:creationId xmlns:a16="http://schemas.microsoft.com/office/drawing/2014/main" id="{3D2B588F-408C-3F0A-B2C4-8CCA7895A0B6}"/>
                 </a:ext>
               </a:extLst>
             </p:cNvPr>
@@ -8242,7 +8224,7 @@
             <p:cNvPr id="149" name="Straight Connector 148">
               <a:extLst>
                 <a:ext uri="{FF2B5EF4-FFF2-40B4-BE49-F238E27FC236}">
-                  <a16:creationId xmlns:a16="http://schemas.microsoft.com/office/drawing/2014/main" id="{1E3D0ACC-378E-C7C3-F295-D7CDA6EB28A1}"/>
+                  <a16:creationId xmlns:a16="http://schemas.microsoft.com/office/drawing/2014/main" id="{28C1C38F-E0D0-C011-5A5A-04B44ACC2424}"/>
                 </a:ext>
               </a:extLst>
             </p:cNvPr>
@@ -8287,7 +8269,7 @@
             <p:cNvPr id="151" name="Straight Connector 150">
               <a:extLst>
                 <a:ext uri="{FF2B5EF4-FFF2-40B4-BE49-F238E27FC236}">
-                  <a16:creationId xmlns:a16="http://schemas.microsoft.com/office/drawing/2014/main" id="{AD484F1E-B57C-6728-3061-2ED465DE210D}"/>
+                  <a16:creationId xmlns:a16="http://schemas.microsoft.com/office/drawing/2014/main" id="{FBC91284-6DF1-78A4-D99B-CB5C4BC90F6A}"/>
                 </a:ext>
               </a:extLst>
             </p:cNvPr>
@@ -8332,7 +8314,7 @@
             <p:cNvPr id="152" name="Straight Connector 151">
               <a:extLst>
                 <a:ext uri="{FF2B5EF4-FFF2-40B4-BE49-F238E27FC236}">
-                  <a16:creationId xmlns:a16="http://schemas.microsoft.com/office/drawing/2014/main" id="{2A5FB55B-F3B7-13A9-AC81-A652A67C8AD2}"/>
+                  <a16:creationId xmlns:a16="http://schemas.microsoft.com/office/drawing/2014/main" id="{48DE37C5-9C1E-FF30-F704-581FD2AD75AB}"/>
                 </a:ext>
               </a:extLst>
             </p:cNvPr>
@@ -8377,7 +8359,7 @@
             <p:cNvPr id="154" name="Straight Connector 153">
               <a:extLst>
                 <a:ext uri="{FF2B5EF4-FFF2-40B4-BE49-F238E27FC236}">
-                  <a16:creationId xmlns:a16="http://schemas.microsoft.com/office/drawing/2014/main" id="{8C8D6813-A73F-7723-5CA8-C42212CAD1D7}"/>
+                  <a16:creationId xmlns:a16="http://schemas.microsoft.com/office/drawing/2014/main" id="{FB4E6A4D-36D8-7186-E7C3-14EA5FCA110D}"/>
                 </a:ext>
               </a:extLst>
             </p:cNvPr>
@@ -8422,7 +8404,7 @@
             <p:cNvPr id="155" name="Straight Connector 154">
               <a:extLst>
                 <a:ext uri="{FF2B5EF4-FFF2-40B4-BE49-F238E27FC236}">
-                  <a16:creationId xmlns:a16="http://schemas.microsoft.com/office/drawing/2014/main" id="{E5993DF9-5B17-F355-5753-A39642A49F1C}"/>
+                  <a16:creationId xmlns:a16="http://schemas.microsoft.com/office/drawing/2014/main" id="{5E5844DF-0920-7F02-2C88-1CAD868B1C2E}"/>
                 </a:ext>
               </a:extLst>
             </p:cNvPr>
@@ -8467,7 +8449,7 @@
             <p:cNvPr id="156" name="Straight Connector 155">
               <a:extLst>
                 <a:ext uri="{FF2B5EF4-FFF2-40B4-BE49-F238E27FC236}">
-                  <a16:creationId xmlns:a16="http://schemas.microsoft.com/office/drawing/2014/main" id="{18CF5490-C9D6-67B6-FA34-0AD038802069}"/>
+                  <a16:creationId xmlns:a16="http://schemas.microsoft.com/office/drawing/2014/main" id="{3994CE1C-AF24-7C5B-F0BE-943CD7531A9A}"/>
                 </a:ext>
               </a:extLst>
             </p:cNvPr>
@@ -8512,7 +8494,7 @@
             <p:cNvPr id="158" name="Straight Connector 157">
               <a:extLst>
                 <a:ext uri="{FF2B5EF4-FFF2-40B4-BE49-F238E27FC236}">
-                  <a16:creationId xmlns:a16="http://schemas.microsoft.com/office/drawing/2014/main" id="{41276047-0F2F-07E4-4AA9-23A1FD07F65B}"/>
+                  <a16:creationId xmlns:a16="http://schemas.microsoft.com/office/drawing/2014/main" id="{55EA27D2-BFAE-7177-60CC-516BC5649D27}"/>
                 </a:ext>
               </a:extLst>
             </p:cNvPr>
@@ -8557,7 +8539,7 @@
             <p:cNvPr id="159" name="Straight Connector 158">
               <a:extLst>
                 <a:ext uri="{FF2B5EF4-FFF2-40B4-BE49-F238E27FC236}">
-                  <a16:creationId xmlns:a16="http://schemas.microsoft.com/office/drawing/2014/main" id="{A36E7259-A89B-B9A9-DB65-50EE93FE873E}"/>
+                  <a16:creationId xmlns:a16="http://schemas.microsoft.com/office/drawing/2014/main" id="{E039BE1C-1288-95BA-2AD5-AA906325B2DF}"/>
                 </a:ext>
               </a:extLst>
             </p:cNvPr>
@@ -8602,7 +8584,7 @@
             <p:cNvPr id="161" name="Straight Connector 160">
               <a:extLst>
                 <a:ext uri="{FF2B5EF4-FFF2-40B4-BE49-F238E27FC236}">
-                  <a16:creationId xmlns:a16="http://schemas.microsoft.com/office/drawing/2014/main" id="{98AACDCE-9ABA-88F9-DC3A-0DD3C43AA07F}"/>
+                  <a16:creationId xmlns:a16="http://schemas.microsoft.com/office/drawing/2014/main" id="{3F323510-3BD6-9E27-F7B9-4AAC2CAEC646}"/>
                 </a:ext>
               </a:extLst>
             </p:cNvPr>
@@ -8647,7 +8629,7 @@
             <p:cNvPr id="162" name="Straight Connector 161">
               <a:extLst>
                 <a:ext uri="{FF2B5EF4-FFF2-40B4-BE49-F238E27FC236}">
-                  <a16:creationId xmlns:a16="http://schemas.microsoft.com/office/drawing/2014/main" id="{AC92F9BC-0F12-6204-B207-37C1FE677CD7}"/>
+                  <a16:creationId xmlns:a16="http://schemas.microsoft.com/office/drawing/2014/main" id="{63DB4786-66EC-EA63-74E7-C46E1979C382}"/>
                 </a:ext>
               </a:extLst>
             </p:cNvPr>
@@ -8692,7 +8674,7 @@
             <p:cNvPr id="163" name="Straight Connector 162">
               <a:extLst>
                 <a:ext uri="{FF2B5EF4-FFF2-40B4-BE49-F238E27FC236}">
-                  <a16:creationId xmlns:a16="http://schemas.microsoft.com/office/drawing/2014/main" id="{0243322A-0713-FEA5-B689-4D125BF62B6D}"/>
+                  <a16:creationId xmlns:a16="http://schemas.microsoft.com/office/drawing/2014/main" id="{C5A078B9-22AC-C625-C08E-726195263004}"/>
                 </a:ext>
               </a:extLst>
             </p:cNvPr>
@@ -8737,7 +8719,7 @@
             <p:cNvPr id="165" name="Straight Connector 164">
               <a:extLst>
                 <a:ext uri="{FF2B5EF4-FFF2-40B4-BE49-F238E27FC236}">
-                  <a16:creationId xmlns:a16="http://schemas.microsoft.com/office/drawing/2014/main" id="{F32A157C-0220-43FA-7387-0BD54957E4F2}"/>
+                  <a16:creationId xmlns:a16="http://schemas.microsoft.com/office/drawing/2014/main" id="{F97174EE-B6CD-49F4-A02E-BDBD84D76E20}"/>
                 </a:ext>
               </a:extLst>
             </p:cNvPr>
@@ -8782,7 +8764,7 @@
             <p:cNvPr id="166" name="Straight Connector 165">
               <a:extLst>
                 <a:ext uri="{FF2B5EF4-FFF2-40B4-BE49-F238E27FC236}">
-                  <a16:creationId xmlns:a16="http://schemas.microsoft.com/office/drawing/2014/main" id="{23DFBA3A-911D-E813-0D68-D2793EFB8F1D}"/>
+                  <a16:creationId xmlns:a16="http://schemas.microsoft.com/office/drawing/2014/main" id="{B799B0F6-BD3D-425F-B0A8-F73E3008243F}"/>
                 </a:ext>
               </a:extLst>
             </p:cNvPr>
@@ -8827,7 +8809,7 @@
             <p:cNvPr id="167" name="Straight Connector 166">
               <a:extLst>
                 <a:ext uri="{FF2B5EF4-FFF2-40B4-BE49-F238E27FC236}">
-                  <a16:creationId xmlns:a16="http://schemas.microsoft.com/office/drawing/2014/main" id="{A58352CA-60CB-1581-DA00-413A5AB9A407}"/>
+                  <a16:creationId xmlns:a16="http://schemas.microsoft.com/office/drawing/2014/main" id="{C65DCC9F-161C-D1CA-2453-8D1727A9A176}"/>
                 </a:ext>
               </a:extLst>
             </p:cNvPr>
@@ -8872,7 +8854,7 @@
             <p:cNvPr id="168" name="Straight Connector 167">
               <a:extLst>
                 <a:ext uri="{FF2B5EF4-FFF2-40B4-BE49-F238E27FC236}">
-                  <a16:creationId xmlns:a16="http://schemas.microsoft.com/office/drawing/2014/main" id="{8FCC1ABC-F1D1-D60E-E769-CC3D0A9A4B7A}"/>
+                  <a16:creationId xmlns:a16="http://schemas.microsoft.com/office/drawing/2014/main" id="{96796A74-4C61-415A-77B4-B8857F22A695}"/>
                 </a:ext>
               </a:extLst>
             </p:cNvPr>
@@ -8917,7 +8899,7 @@
             <p:cNvPr id="169" name="Straight Connector 168">
               <a:extLst>
                 <a:ext uri="{FF2B5EF4-FFF2-40B4-BE49-F238E27FC236}">
-                  <a16:creationId xmlns:a16="http://schemas.microsoft.com/office/drawing/2014/main" id="{7106A3A4-839B-BC1F-D2CC-3632CC030DB6}"/>
+                  <a16:creationId xmlns:a16="http://schemas.microsoft.com/office/drawing/2014/main" id="{7730113C-1DF4-6FBA-5093-F38FB75F8DB2}"/>
                 </a:ext>
               </a:extLst>
             </p:cNvPr>
@@ -8962,7 +8944,7 @@
             <p:cNvPr id="171" name="Straight Connector 170">
               <a:extLst>
                 <a:ext uri="{FF2B5EF4-FFF2-40B4-BE49-F238E27FC236}">
-                  <a16:creationId xmlns:a16="http://schemas.microsoft.com/office/drawing/2014/main" id="{4A878916-2722-0F28-D1BD-85228D43F607}"/>
+                  <a16:creationId xmlns:a16="http://schemas.microsoft.com/office/drawing/2014/main" id="{08256FA6-B30D-0E83-9E77-8A96A10D58C6}"/>
                 </a:ext>
               </a:extLst>
             </p:cNvPr>
@@ -9007,7 +8989,7 @@
             <p:cNvPr id="172" name="Straight Connector 171">
               <a:extLst>
                 <a:ext uri="{FF2B5EF4-FFF2-40B4-BE49-F238E27FC236}">
-                  <a16:creationId xmlns:a16="http://schemas.microsoft.com/office/drawing/2014/main" id="{34C4035F-99FD-4B45-425C-339BA5ACFEEF}"/>
+                  <a16:creationId xmlns:a16="http://schemas.microsoft.com/office/drawing/2014/main" id="{9AE05AA5-2B68-F011-FDF4-5D8A259091A1}"/>
                 </a:ext>
               </a:extLst>
             </p:cNvPr>
@@ -9052,7 +9034,7 @@
             <p:cNvPr id="173" name="Straight Connector 172">
               <a:extLst>
                 <a:ext uri="{FF2B5EF4-FFF2-40B4-BE49-F238E27FC236}">
-                  <a16:creationId xmlns:a16="http://schemas.microsoft.com/office/drawing/2014/main" id="{28DD2C5F-E626-CD73-7AAE-6F8E52A942C5}"/>
+                  <a16:creationId xmlns:a16="http://schemas.microsoft.com/office/drawing/2014/main" id="{BAF10446-4EB4-93EA-1B43-53A8ABE48D23}"/>
                 </a:ext>
               </a:extLst>
             </p:cNvPr>
@@ -9097,7 +9079,7 @@
             <p:cNvPr id="175" name="Straight Connector 174">
               <a:extLst>
                 <a:ext uri="{FF2B5EF4-FFF2-40B4-BE49-F238E27FC236}">
-                  <a16:creationId xmlns:a16="http://schemas.microsoft.com/office/drawing/2014/main" id="{53899CD8-EA1D-63FD-626E-8B90E61BAEBD}"/>
+                  <a16:creationId xmlns:a16="http://schemas.microsoft.com/office/drawing/2014/main" id="{1D40FB16-C663-4412-8012-8DF7F4CB40B2}"/>
                 </a:ext>
               </a:extLst>
             </p:cNvPr>
@@ -9142,7 +9124,7 @@
             <p:cNvPr id="176" name="Straight Connector 175">
               <a:extLst>
                 <a:ext uri="{FF2B5EF4-FFF2-40B4-BE49-F238E27FC236}">
-                  <a16:creationId xmlns:a16="http://schemas.microsoft.com/office/drawing/2014/main" id="{94D978E2-A5D8-0F99-940A-DC406326863B}"/>
+                  <a16:creationId xmlns:a16="http://schemas.microsoft.com/office/drawing/2014/main" id="{0E29436A-DED5-778E-B982-DE4BA5F450C7}"/>
                 </a:ext>
               </a:extLst>
             </p:cNvPr>
@@ -9181,7 +9163,7 @@
             <p:cNvPr id="177" name="Straight Connector 176">
               <a:extLst>
                 <a:ext uri="{FF2B5EF4-FFF2-40B4-BE49-F238E27FC236}">
-                  <a16:creationId xmlns:a16="http://schemas.microsoft.com/office/drawing/2014/main" id="{F8309DF9-A59B-0568-B618-58330C1FFF43}"/>
+                  <a16:creationId xmlns:a16="http://schemas.microsoft.com/office/drawing/2014/main" id="{01A8598D-1A97-BC69-F52F-193B0DD7E8B7}"/>
                 </a:ext>
               </a:extLst>
             </p:cNvPr>
@@ -9226,7 +9208,7 @@
             <p:cNvPr id="178" name="Straight Connector 177">
               <a:extLst>
                 <a:ext uri="{FF2B5EF4-FFF2-40B4-BE49-F238E27FC236}">
-                  <a16:creationId xmlns:a16="http://schemas.microsoft.com/office/drawing/2014/main" id="{919C3168-A697-25DB-BAFB-A1FEACE53716}"/>
+                  <a16:creationId xmlns:a16="http://schemas.microsoft.com/office/drawing/2014/main" id="{3D8580DC-83DB-76FA-DF0C-C18D96F8450D}"/>
                 </a:ext>
               </a:extLst>
             </p:cNvPr>
@@ -9271,7 +9253,7 @@
             <p:cNvPr id="179" name="TextBox 178">
               <a:extLst>
                 <a:ext uri="{FF2B5EF4-FFF2-40B4-BE49-F238E27FC236}">
-                  <a16:creationId xmlns:a16="http://schemas.microsoft.com/office/drawing/2014/main" id="{6F6D620A-B09C-2201-CBCC-43D8653D4926}"/>
+                  <a16:creationId xmlns:a16="http://schemas.microsoft.com/office/drawing/2014/main" id="{1213DCBE-C7C9-4594-7555-83151389C5B3}"/>
                 </a:ext>
               </a:extLst>
             </p:cNvPr>
@@ -9309,7 +9291,7 @@
           <p:cNvPr id="189" name="TextBox 188">
             <a:extLst>
               <a:ext uri="{FF2B5EF4-FFF2-40B4-BE49-F238E27FC236}">
-                <a16:creationId xmlns:a16="http://schemas.microsoft.com/office/drawing/2014/main" id="{B08834FF-7802-EF88-C860-27D3D7560752}"/>
+                <a16:creationId xmlns:a16="http://schemas.microsoft.com/office/drawing/2014/main" id="{6DFCACCF-B9FD-A3C2-0327-29AA8A2F2A4A}"/>
               </a:ext>
             </a:extLst>
           </p:cNvPr>
@@ -9339,10 +9321,72 @@
           </a:p>
         </p:txBody>
       </p:sp>
+      <p:pic>
+        <p:nvPicPr>
+          <p:cNvPr id="26" name="Picture 25" descr="A graph of a diagram&#10;&#10;AI-generated content may be incorrect.">
+            <a:extLst>
+              <a:ext uri="{FF2B5EF4-FFF2-40B4-BE49-F238E27FC236}">
+                <a16:creationId xmlns:a16="http://schemas.microsoft.com/office/drawing/2014/main" id="{C1FBF6EC-5A28-66EE-FAC4-37B5541F411A}"/>
+              </a:ext>
+            </a:extLst>
+          </p:cNvPr>
+          <p:cNvPicPr>
+            <a:picLocks noChangeAspect="1"/>
+          </p:cNvPicPr>
+          <p:nvPr/>
+        </p:nvPicPr>
+        <p:blipFill>
+          <a:blip r:embed="rId9"/>
+          <a:srcRect b="16952"/>
+          <a:stretch>
+            <a:fillRect/>
+          </a:stretch>
+        </p:blipFill>
+        <p:spPr>
+          <a:xfrm>
+            <a:off x="53279" y="7495275"/>
+            <a:ext cx="2874959" cy="1790703"/>
+          </a:xfrm>
+          <a:prstGeom prst="rect">
+            <a:avLst/>
+          </a:prstGeom>
+        </p:spPr>
+      </p:pic>
+      <p:pic>
+        <p:nvPicPr>
+          <p:cNvPr id="28" name="Picture 27" descr="A graph of a graph with numbers and lines&#10;&#10;AI-generated content may be incorrect.">
+            <a:extLst>
+              <a:ext uri="{FF2B5EF4-FFF2-40B4-BE49-F238E27FC236}">
+                <a16:creationId xmlns:a16="http://schemas.microsoft.com/office/drawing/2014/main" id="{C647723C-594D-0078-DC6C-296CF7952428}"/>
+              </a:ext>
+            </a:extLst>
+          </p:cNvPr>
+          <p:cNvPicPr>
+            <a:picLocks noChangeAspect="1"/>
+          </p:cNvPicPr>
+          <p:nvPr/>
+        </p:nvPicPr>
+        <p:blipFill>
+          <a:blip r:embed="rId10"/>
+          <a:srcRect b="16950"/>
+          <a:stretch>
+            <a:fillRect/>
+          </a:stretch>
+        </p:blipFill>
+        <p:spPr>
+          <a:xfrm>
+            <a:off x="3666046" y="7495275"/>
+            <a:ext cx="2874959" cy="1790703"/>
+          </a:xfrm>
+          <a:prstGeom prst="rect">
+            <a:avLst/>
+          </a:prstGeom>
+        </p:spPr>
+      </p:pic>
     </p:spTree>
     <p:extLst>
       <p:ext uri="{BB962C8B-B14F-4D97-AF65-F5344CB8AC3E}">
-        <p14:creationId xmlns:p14="http://schemas.microsoft.com/office/powerpoint/2010/main" val="2884994948"/>
+        <p14:creationId xmlns:p14="http://schemas.microsoft.com/office/powerpoint/2010/main" val="1797134721"/>
       </p:ext>
     </p:extLst>
   </p:cSld>
